--- a/SE499/Lectures/5/Development.pptx
+++ b/SE499/Lectures/5/Development.pptx
@@ -5,22 +5,32 @@
     <p:sldMasterId id="2147483648" r:id="rId1"/>
   </p:sldMasterIdLst>
   <p:notesMasterIdLst>
-    <p:notesMasterId r:id="rId15"/>
+    <p:notesMasterId r:id="rId25"/>
   </p:notesMasterIdLst>
   <p:sldIdLst>
     <p:sldId id="256" r:id="rId2"/>
-    <p:sldId id="733" r:id="rId3"/>
-    <p:sldId id="798" r:id="rId4"/>
-    <p:sldId id="799" r:id="rId5"/>
-    <p:sldId id="800" r:id="rId6"/>
-    <p:sldId id="801" r:id="rId7"/>
-    <p:sldId id="802" r:id="rId8"/>
-    <p:sldId id="803" r:id="rId9"/>
-    <p:sldId id="804" r:id="rId10"/>
-    <p:sldId id="805" r:id="rId11"/>
-    <p:sldId id="806" r:id="rId12"/>
-    <p:sldId id="807" r:id="rId13"/>
-    <p:sldId id="808" r:id="rId14"/>
+    <p:sldId id="809" r:id="rId3"/>
+    <p:sldId id="810" r:id="rId4"/>
+    <p:sldId id="811" r:id="rId5"/>
+    <p:sldId id="812" r:id="rId6"/>
+    <p:sldId id="813" r:id="rId7"/>
+    <p:sldId id="814" r:id="rId8"/>
+    <p:sldId id="802" r:id="rId9"/>
+    <p:sldId id="803" r:id="rId10"/>
+    <p:sldId id="804" r:id="rId11"/>
+    <p:sldId id="805" r:id="rId12"/>
+    <p:sldId id="806" r:id="rId13"/>
+    <p:sldId id="807" r:id="rId14"/>
+    <p:sldId id="808" r:id="rId15"/>
+    <p:sldId id="815" r:id="rId16"/>
+    <p:sldId id="816" r:id="rId17"/>
+    <p:sldId id="817" r:id="rId18"/>
+    <p:sldId id="818" r:id="rId19"/>
+    <p:sldId id="819" r:id="rId20"/>
+    <p:sldId id="820" r:id="rId21"/>
+    <p:sldId id="821" r:id="rId22"/>
+    <p:sldId id="822" r:id="rId23"/>
+    <p:sldId id="823" r:id="rId24"/>
   </p:sldIdLst>
   <p:sldSz cx="12192000" cy="6858000"/>
   <p:notesSz cx="6858000" cy="9144000"/>
@@ -238,7 +248,7 @@
           <a:p>
             <a:fld id="{41DA9887-9249-49FD-809A-BACB264048C3}" type="datetimeFigureOut">
               <a:rPr lang="en-US" smtClean="0"/>
-              <a:t>9/4/2023</a:t>
+              <a:t>9/9/2023</a:t>
             </a:fld>
             <a:endParaRPr lang="en-US"/>
           </a:p>
@@ -640,7 +650,7 @@
           <a:p>
             <a:fld id="{EF213E56-3C1A-435A-851B-5B1F221C2038}" type="datetime1">
               <a:rPr lang="en-US" smtClean="0"/>
-              <a:t>9/4/2023</a:t>
+              <a:t>9/9/2023</a:t>
             </a:fld>
             <a:endParaRPr lang="en-US"/>
           </a:p>
@@ -919,7 +929,7 @@
           <a:p>
             <a:fld id="{B4696837-4851-4AA6-8AED-554226C981D1}" type="datetime1">
               <a:rPr lang="en-US" smtClean="0"/>
-              <a:t>9/4/2023</a:t>
+              <a:t>9/9/2023</a:t>
             </a:fld>
             <a:endParaRPr lang="en-US"/>
           </a:p>
@@ -1097,7 +1107,7 @@
           <a:p>
             <a:fld id="{BADD32E1-BB70-4827-BA33-FF5AFC435BE9}" type="datetime1">
               <a:rPr lang="en-US" smtClean="0"/>
-              <a:t>9/4/2023</a:t>
+              <a:t>9/9/2023</a:t>
             </a:fld>
             <a:endParaRPr lang="en-US"/>
           </a:p>
@@ -1343,7 +1353,7 @@
             </a:pPr>
             <a:fld id="{40B9EAF6-54F2-4DF5-9C6B-3F6F95B86356}" type="datetime1">
               <a:rPr lang="en-US" smtClean="0"/>
-              <a:t>9/4/2023</a:t>
+              <a:t>9/9/2023</a:t>
             </a:fld>
             <a:endParaRPr lang="en-US"/>
           </a:p>
@@ -1524,7 +1534,7 @@
             </a:pPr>
             <a:fld id="{D3D64A56-6FF4-479A-8655-719A18A98C4B}" type="datetime1">
               <a:rPr lang="en-US" smtClean="0"/>
-              <a:t>9/4/2023</a:t>
+              <a:t>9/9/2023</a:t>
             </a:fld>
             <a:endParaRPr lang="en-US"/>
           </a:p>
@@ -1802,7 +1812,7 @@
           <a:p>
             <a:fld id="{BB961044-FC46-4CBC-9061-59528F4899F3}" type="datetime1">
               <a:rPr lang="en-US" smtClean="0"/>
-              <a:t>9/4/2023</a:t>
+              <a:t>9/9/2023</a:t>
             </a:fld>
             <a:endParaRPr lang="en-US"/>
           </a:p>
@@ -2146,7 +2156,7 @@
           <a:p>
             <a:fld id="{4466A08C-77F3-471E-A5C4-1D2068144BAC}" type="datetime1">
               <a:rPr lang="en-US" smtClean="0"/>
-              <a:t>9/4/2023</a:t>
+              <a:t>9/9/2023</a:t>
             </a:fld>
             <a:endParaRPr lang="en-US"/>
           </a:p>
@@ -2375,7 +2385,7 @@
           <a:p>
             <a:fld id="{B90A7AD1-16F4-44C3-AE32-24C59A599E9D}" type="datetime1">
               <a:rPr lang="en-US" smtClean="0"/>
-              <a:t>9/4/2023</a:t>
+              <a:t>9/9/2023</a:t>
             </a:fld>
             <a:endParaRPr lang="en-US"/>
           </a:p>
@@ -2739,7 +2749,7 @@
           <a:p>
             <a:fld id="{B583DB4F-4316-4DF5-A229-BC1D787C82A0}" type="datetime1">
               <a:rPr lang="en-US" smtClean="0"/>
-              <a:t>9/4/2023</a:t>
+              <a:t>9/9/2023</a:t>
             </a:fld>
             <a:endParaRPr lang="en-US"/>
           </a:p>
@@ -2834,7 +2844,7 @@
           <a:p>
             <a:fld id="{AE6064B7-7A9F-432D-B7B9-6824267AA574}" type="datetime1">
               <a:rPr lang="en-US" smtClean="0"/>
-              <a:t>9/4/2023</a:t>
+              <a:t>9/9/2023</a:t>
             </a:fld>
             <a:endParaRPr lang="en-US"/>
           </a:p>
@@ -3056,7 +3066,7 @@
             <a:fld id="{B2F5E2FA-C428-4CE7-95B0-168D3259A5BB}" type="datetimeFigureOut">
               <a:rPr lang="en-US" smtClean="0"/>
               <a:pPr/>
-              <a:t>9/4/2023</a:t>
+              <a:t>9/9/2023</a:t>
             </a:fld>
             <a:endParaRPr lang="en-US"/>
           </a:p>
@@ -3227,7 +3237,7 @@
           <a:p>
             <a:fld id="{4E1C93A2-B712-486A-8AB5-D41B95D547BE}" type="datetime1">
               <a:rPr lang="en-US" smtClean="0"/>
-              <a:t>9/4/2023</a:t>
+              <a:t>9/9/2023</a:t>
             </a:fld>
             <a:endParaRPr lang="en-US"/>
           </a:p>
@@ -3502,7 +3512,7 @@
           <a:p>
             <a:fld id="{CAB2F318-F19F-4608-B7EF-F7FB8A482213}" type="datetime1">
               <a:rPr lang="en-US" smtClean="0"/>
-              <a:t>9/4/2023</a:t>
+              <a:t>9/9/2023</a:t>
             </a:fld>
             <a:endParaRPr lang="en-US"/>
           </a:p>
@@ -3754,7 +3764,7 @@
           <a:p>
             <a:fld id="{BB9CEF8C-69D6-4C3E-B892-F682F307A7B6}" type="datetime1">
               <a:rPr lang="en-US" smtClean="0"/>
-              <a:t>9/4/2023</a:t>
+              <a:t>9/9/2023</a:t>
             </a:fld>
             <a:endParaRPr lang="en-US"/>
           </a:p>
@@ -3965,7 +3975,7 @@
           <a:p>
             <a:fld id="{FB737C73-4A31-4C17-AFB7-7B8470027787}" type="datetime1">
               <a:rPr lang="en-US" smtClean="0"/>
-              <a:t>9/4/2023</a:t>
+              <a:t>9/9/2023</a:t>
             </a:fld>
             <a:endParaRPr lang="en-US"/>
           </a:p>
@@ -4518,7 +4528,7 @@
           <a:p>
             <a:r>
               <a:rPr lang="en-US" dirty="0"/>
-              <a:t>Complexity</a:t>
+              <a:t>Modularity</a:t>
             </a:r>
           </a:p>
         </p:txBody>
@@ -4540,13 +4550,13 @@
           <a:p>
             <a:r>
               <a:rPr lang="en-US" dirty="0"/>
-              <a:t>Types of complexity (e.g., cognitive, structural, organizational)</a:t>
+              <a:t>Importance of modularity (e.g., maintainability, reusability, scalability)</a:t>
             </a:r>
           </a:p>
           <a:p>
             <a:r>
               <a:rPr lang="en-US" dirty="0"/>
-              <a:t>Techniques for managing complexity (e.g., abstraction, encapsulation, divide and conquer)</a:t>
+              <a:t>Techniques for improving modularity (e.g., component-based design, service-oriented architecture)</a:t>
             </a:r>
           </a:p>
         </p:txBody>
@@ -4578,7 +4588,7 @@
     </p:spTree>
     <p:extLst>
       <p:ext uri="{BB962C8B-B14F-4D97-AF65-F5344CB8AC3E}">
-        <p14:creationId xmlns:p14="http://schemas.microsoft.com/office/powerpoint/2010/main" val="3895104213"/>
+        <p14:creationId xmlns:p14="http://schemas.microsoft.com/office/powerpoint/2010/main" val="4033838859"/>
       </p:ext>
     </p:extLst>
   </p:cSld>
@@ -4622,7 +4632,7 @@
           <a:p>
             <a:r>
               <a:rPr lang="en-US" dirty="0"/>
-              <a:t>Maintainability</a:t>
+              <a:t>Complexity</a:t>
             </a:r>
           </a:p>
         </p:txBody>
@@ -4644,13 +4654,13 @@
           <a:p>
             <a:r>
               <a:rPr lang="en-US" dirty="0"/>
-              <a:t>Importance of maintainability (e.g., reducing costs, improving efficiency, enabling innovation)</a:t>
+              <a:t>Types of complexity (e.g., cognitive, structural, organizational)</a:t>
             </a:r>
           </a:p>
           <a:p>
             <a:r>
               <a:rPr lang="en-US" dirty="0"/>
-              <a:t>Techniques for improving maintainability (e.g., modularity, abstraction, code reuse)</a:t>
+              <a:t>Techniques for managing complexity (e.g., abstraction, encapsulation, divide and conquer)</a:t>
             </a:r>
           </a:p>
         </p:txBody>
@@ -4682,7 +4692,7 @@
     </p:spTree>
     <p:extLst>
       <p:ext uri="{BB962C8B-B14F-4D97-AF65-F5344CB8AC3E}">
-        <p14:creationId xmlns:p14="http://schemas.microsoft.com/office/powerpoint/2010/main" val="2492905030"/>
+        <p14:creationId xmlns:p14="http://schemas.microsoft.com/office/powerpoint/2010/main" val="3895104213"/>
       </p:ext>
     </p:extLst>
   </p:cSld>
@@ -4726,7 +4736,7 @@
           <a:p>
             <a:r>
               <a:rPr lang="en-US" dirty="0"/>
-              <a:t>Code Efficiency</a:t>
+              <a:t>Maintainability</a:t>
             </a:r>
           </a:p>
         </p:txBody>
@@ -4748,13 +4758,13 @@
           <a:p>
             <a:r>
               <a:rPr lang="en-US" dirty="0"/>
-              <a:t>Importance of code efficiency (e.g., improving performance, reducing costs, enabling scalability)</a:t>
+              <a:t>Importance of maintainability (e.g., reducing costs, improving efficiency, enabling innovation)</a:t>
             </a:r>
           </a:p>
           <a:p>
             <a:r>
               <a:rPr lang="en-US" dirty="0"/>
-              <a:t>Techniques for improving code efficiency (e.g., optimization, caching, parallel processing)</a:t>
+              <a:t>Techniques for improving maintainability (e.g., modularity, abstraction, code reuse)</a:t>
             </a:r>
           </a:p>
         </p:txBody>
@@ -4786,7 +4796,7 @@
     </p:spTree>
     <p:extLst>
       <p:ext uri="{BB962C8B-B14F-4D97-AF65-F5344CB8AC3E}">
-        <p14:creationId xmlns:p14="http://schemas.microsoft.com/office/powerpoint/2010/main" val="1581306495"/>
+        <p14:creationId xmlns:p14="http://schemas.microsoft.com/office/powerpoint/2010/main" val="2492905030"/>
       </p:ext>
     </p:extLst>
   </p:cSld>
@@ -4830,7 +4840,7 @@
           <a:p>
             <a:r>
               <a:rPr lang="en-US" dirty="0"/>
-              <a:t>Testing</a:t>
+              <a:t>Code Efficiency</a:t>
             </a:r>
           </a:p>
         </p:txBody>
@@ -4852,13 +4862,13 @@
           <a:p>
             <a:r>
               <a:rPr lang="en-US" dirty="0"/>
-              <a:t>Importance of testing (e.g., ensuring quality, identifying defects, building confidence)</a:t>
+              <a:t>Importance of code efficiency (e.g., improving performance, reducing costs, enabling scalability)</a:t>
             </a:r>
           </a:p>
           <a:p>
             <a:r>
               <a:rPr lang="en-US" dirty="0"/>
-              <a:t>Types of testing (e.g., unit testing, integration testing, acceptance testing)</a:t>
+              <a:t>Techniques for improving code efficiency (e.g., optimization, caching, parallel processing)</a:t>
             </a:r>
           </a:p>
         </p:txBody>
@@ -4890,7 +4900,7 @@
     </p:spTree>
     <p:extLst>
       <p:ext uri="{BB962C8B-B14F-4D97-AF65-F5344CB8AC3E}">
-        <p14:creationId xmlns:p14="http://schemas.microsoft.com/office/powerpoint/2010/main" val="1653635476"/>
+        <p14:creationId xmlns:p14="http://schemas.microsoft.com/office/powerpoint/2010/main" val="1581306495"/>
       </p:ext>
     </p:extLst>
   </p:cSld>
@@ -4900,7 +4910,7 @@
 </p:sld>
 </file>
 
-<file path=ppt/slides/slide2.xml><?xml version="1.0" encoding="utf-8"?>
+<file path=ppt/slides/slide14.xml><?xml version="1.0" encoding="utf-8"?>
 <p:sld xmlns:a="http://schemas.openxmlformats.org/drawingml/2006/main" xmlns:r="http://schemas.openxmlformats.org/officeDocument/2006/relationships" xmlns:p="http://schemas.openxmlformats.org/presentationml/2006/main">
   <p:cSld>
     <p:spTree>
@@ -4934,9 +4944,112 @@
           <a:p>
             <a:r>
               <a:rPr lang="en-US" dirty="0"/>
+              <a:t>Testing</a:t>
+            </a:r>
+          </a:p>
+        </p:txBody>
+      </p:sp>
+      <p:sp>
+        <p:nvSpPr>
+          <p:cNvPr id="3" name="Content Placeholder 2"/>
+          <p:cNvSpPr>
+            <a:spLocks noGrp="1"/>
+          </p:cNvSpPr>
+          <p:nvPr>
+            <p:ph idx="1"/>
+          </p:nvPr>
+        </p:nvSpPr>
+        <p:spPr/>
+        <p:txBody>
+          <a:bodyPr/>
+          <a:lstStyle/>
+          <a:p>
+            <a:r>
+              <a:rPr lang="en-US" dirty="0"/>
+              <a:t>Importance of testing (e.g., ensuring quality, identifying defects, building confidence)</a:t>
+            </a:r>
+          </a:p>
+          <a:p>
+            <a:r>
+              <a:rPr lang="en-US" dirty="0"/>
+              <a:t>Types of testing (e.g., unit testing, integration testing, acceptance testing)</a:t>
+            </a:r>
+          </a:p>
+        </p:txBody>
+      </p:sp>
+      <p:sp>
+        <p:nvSpPr>
+          <p:cNvPr id="4" name="Slide Number Placeholder 3"/>
+          <p:cNvSpPr>
+            <a:spLocks noGrp="1"/>
+          </p:cNvSpPr>
+          <p:nvPr>
+            <p:ph type="sldNum" sz="quarter" idx="12"/>
+          </p:nvPr>
+        </p:nvSpPr>
+        <p:spPr/>
+        <p:txBody>
+          <a:bodyPr/>
+          <a:lstStyle/>
+          <a:p>
+            <a:fld id="{B8DACC02-A2BD-4578-8E03-6D891060A695}" type="slidenum">
+              <a:rPr lang="en-US" smtClean="0"/>
+              <a:pPr/>
+              <a:t>14</a:t>
+            </a:fld>
+            <a:endParaRPr lang="en-US" dirty="0"/>
+          </a:p>
+        </p:txBody>
+      </p:sp>
+    </p:spTree>
+    <p:extLst>
+      <p:ext uri="{BB962C8B-B14F-4D97-AF65-F5344CB8AC3E}">
+        <p14:creationId xmlns:p14="http://schemas.microsoft.com/office/powerpoint/2010/main" val="1653635476"/>
+      </p:ext>
+    </p:extLst>
+  </p:cSld>
+  <p:clrMapOvr>
+    <a:masterClrMapping/>
+  </p:clrMapOvr>
+</p:sld>
+</file>
+
+<file path=ppt/slides/slide15.xml><?xml version="1.0" encoding="utf-8"?>
+<p:sld xmlns:a="http://schemas.openxmlformats.org/drawingml/2006/main" xmlns:r="http://schemas.openxmlformats.org/officeDocument/2006/relationships" xmlns:p="http://schemas.openxmlformats.org/presentationml/2006/main">
+  <p:cSld>
+    <p:spTree>
+      <p:nvGrpSpPr>
+        <p:cNvPr id="1" name=""/>
+        <p:cNvGrpSpPr/>
+        <p:nvPr/>
+      </p:nvGrpSpPr>
+      <p:grpSpPr>
+        <a:xfrm>
+          <a:off x="0" y="0"/>
+          <a:ext cx="0" cy="0"/>
+          <a:chOff x="0" y="0"/>
+          <a:chExt cx="0" cy="0"/>
+        </a:xfrm>
+      </p:grpSpPr>
+      <p:sp>
+        <p:nvSpPr>
+          <p:cNvPr id="2" name="Title 1"/>
+          <p:cNvSpPr>
+            <a:spLocks noGrp="1"/>
+          </p:cNvSpPr>
+          <p:nvPr>
+            <p:ph type="title"/>
+          </p:nvPr>
+        </p:nvSpPr>
+        <p:spPr/>
+        <p:txBody>
+          <a:bodyPr/>
+          <a:lstStyle/>
+          <a:p>
+            <a:r>
+              <a:rPr lang="en-US" dirty="0"/>
               <a:t>Incremental Development</a:t>
             </a:r>
-            <a:endParaRPr lang="en-US" dirty="0"/>
           </a:p>
         </p:txBody>
       </p:sp>
@@ -4982,7 +5095,6 @@
               <a:rPr lang="en-US" dirty="0"/>
               <a:t>of developing an application in a single phase, it is built in pieces and stages over time, with each step adding new functionality or improving the functionality that already exists.</a:t>
             </a:r>
-            <a:endParaRPr lang="en-US" dirty="0"/>
           </a:p>
         </p:txBody>
       </p:sp>
@@ -5004,7 +5116,7 @@
             <a:fld id="{B8DACC02-A2BD-4578-8E03-6D891060A695}" type="slidenum">
               <a:rPr lang="en-US" smtClean="0"/>
               <a:pPr/>
-              <a:t>2</a:t>
+              <a:t>15</a:t>
             </a:fld>
             <a:endParaRPr lang="en-US" dirty="0"/>
           </a:p>
@@ -5013,7 +5125,7 @@
     </p:spTree>
     <p:extLst>
       <p:ext uri="{BB962C8B-B14F-4D97-AF65-F5344CB8AC3E}">
-        <p14:creationId xmlns:p14="http://schemas.microsoft.com/office/powerpoint/2010/main" val="697714561"/>
+        <p14:creationId xmlns:p14="http://schemas.microsoft.com/office/powerpoint/2010/main" val="213545817"/>
       </p:ext>
     </p:extLst>
   </p:cSld>
@@ -5030,7 +5142,7 @@
 </p:sld>
 </file>
 
-<file path=ppt/slides/slide3.xml><?xml version="1.0" encoding="utf-8"?>
+<file path=ppt/slides/slide16.xml><?xml version="1.0" encoding="utf-8"?>
 <p:sld xmlns:a="http://schemas.openxmlformats.org/drawingml/2006/main" xmlns:r="http://schemas.openxmlformats.org/officeDocument/2006/relationships" xmlns:p="http://schemas.openxmlformats.org/presentationml/2006/main">
   <p:cSld>
     <p:spTree>
@@ -5066,7 +5178,6 @@
               <a:rPr lang="en-US" dirty="0"/>
               <a:t>Incremental Development</a:t>
             </a:r>
-            <a:endParaRPr lang="en-US" dirty="0"/>
           </a:p>
         </p:txBody>
       </p:sp>
@@ -5112,7 +5223,6 @@
               <a:rPr lang="en-US" dirty="0"/>
               <a:t>development enables organizations to adapt to shifting market conditions or client needs, as opposed to conventional waterfall approaches that call for extensive planning and specifications upfront.</a:t>
             </a:r>
-            <a:endParaRPr lang="en-US" dirty="0"/>
           </a:p>
         </p:txBody>
       </p:sp>
@@ -5134,7 +5244,7 @@
             <a:fld id="{B8DACC02-A2BD-4578-8E03-6D891060A695}" type="slidenum">
               <a:rPr lang="en-US" smtClean="0"/>
               <a:pPr/>
-              <a:t>3</a:t>
+              <a:t>16</a:t>
             </a:fld>
             <a:endParaRPr lang="en-US" dirty="0"/>
           </a:p>
@@ -5143,7 +5253,7 @@
     </p:spTree>
     <p:extLst>
       <p:ext uri="{BB962C8B-B14F-4D97-AF65-F5344CB8AC3E}">
-        <p14:creationId xmlns:p14="http://schemas.microsoft.com/office/powerpoint/2010/main" val="4293482382"/>
+        <p14:creationId xmlns:p14="http://schemas.microsoft.com/office/powerpoint/2010/main" val="2884016642"/>
       </p:ext>
     </p:extLst>
   </p:cSld>
@@ -5160,7 +5270,7 @@
 </p:sld>
 </file>
 
-<file path=ppt/slides/slide4.xml><?xml version="1.0" encoding="utf-8"?>
+<file path=ppt/slides/slide17.xml><?xml version="1.0" encoding="utf-8"?>
 <p:sld xmlns:a="http://schemas.openxmlformats.org/drawingml/2006/main" xmlns:r="http://schemas.openxmlformats.org/officeDocument/2006/relationships" xmlns:p="http://schemas.openxmlformats.org/presentationml/2006/main">
   <p:cSld>
     <p:spTree>
@@ -5236,7 +5346,7 @@
             <a:fld id="{B8DACC02-A2BD-4578-8E03-6D891060A695}" type="slidenum">
               <a:rPr lang="en-US" smtClean="0"/>
               <a:pPr/>
-              <a:t>4</a:t>
+              <a:t>17</a:t>
             </a:fld>
             <a:endParaRPr lang="en-US" dirty="0"/>
           </a:p>
@@ -5286,7 +5396,1431 @@
     </p:spTree>
     <p:extLst>
       <p:ext uri="{BB962C8B-B14F-4D97-AF65-F5344CB8AC3E}">
-        <p14:creationId xmlns:p14="http://schemas.microsoft.com/office/powerpoint/2010/main" val="4195347476"/>
+        <p14:creationId xmlns:p14="http://schemas.microsoft.com/office/powerpoint/2010/main" val="3915721571"/>
+      </p:ext>
+    </p:extLst>
+  </p:cSld>
+  <p:clrMapOvr>
+    <a:masterClrMapping/>
+  </p:clrMapOvr>
+</p:sld>
+</file>
+
+<file path=ppt/slides/slide18.xml><?xml version="1.0" encoding="utf-8"?>
+<p:sld xmlns:a="http://schemas.openxmlformats.org/drawingml/2006/main" xmlns:r="http://schemas.openxmlformats.org/officeDocument/2006/relationships" xmlns:p="http://schemas.openxmlformats.org/presentationml/2006/main">
+  <p:cSld>
+    <p:spTree>
+      <p:nvGrpSpPr>
+        <p:cNvPr id="1" name=""/>
+        <p:cNvGrpSpPr/>
+        <p:nvPr/>
+      </p:nvGrpSpPr>
+      <p:grpSpPr>
+        <a:xfrm>
+          <a:off x="0" y="0"/>
+          <a:ext cx="0" cy="0"/>
+          <a:chOff x="0" y="0"/>
+          <a:chExt cx="0" cy="0"/>
+        </a:xfrm>
+      </p:grpSpPr>
+      <p:sp>
+        <p:nvSpPr>
+          <p:cNvPr id="2" name="Title 1"/>
+          <p:cNvSpPr>
+            <a:spLocks noGrp="1"/>
+          </p:cNvSpPr>
+          <p:nvPr>
+            <p:ph type="title"/>
+          </p:nvPr>
+        </p:nvSpPr>
+        <p:spPr/>
+        <p:txBody>
+          <a:bodyPr/>
+          <a:lstStyle/>
+          <a:p>
+            <a:r>
+              <a:rPr lang="en-US" dirty="0"/>
+              <a:t>Incremental Development</a:t>
+            </a:r>
+          </a:p>
+        </p:txBody>
+      </p:sp>
+      <p:sp>
+        <p:nvSpPr>
+          <p:cNvPr id="3" name="Content Placeholder 2"/>
+          <p:cNvSpPr>
+            <a:spLocks noGrp="1"/>
+          </p:cNvSpPr>
+          <p:nvPr>
+            <p:ph idx="1"/>
+          </p:nvPr>
+        </p:nvSpPr>
+        <p:spPr/>
+        <p:txBody>
+          <a:bodyPr/>
+          <a:lstStyle/>
+          <a:p>
+            <a:r>
+              <a:rPr lang="en-US" dirty="0"/>
+              <a:t>Advantages of incremental development (e.g., early delivery, reduced risk, flexibility)</a:t>
+            </a:r>
+          </a:p>
+          <a:p>
+            <a:r>
+              <a:rPr lang="en-US" dirty="0"/>
+              <a:t>Challenges of incremental development (e.g., integrating changes, managing scope)</a:t>
+            </a:r>
+          </a:p>
+        </p:txBody>
+      </p:sp>
+      <p:sp>
+        <p:nvSpPr>
+          <p:cNvPr id="4" name="Slide Number Placeholder 3"/>
+          <p:cNvSpPr>
+            <a:spLocks noGrp="1"/>
+          </p:cNvSpPr>
+          <p:nvPr>
+            <p:ph type="sldNum" sz="quarter" idx="12"/>
+          </p:nvPr>
+        </p:nvSpPr>
+        <p:spPr/>
+        <p:txBody>
+          <a:bodyPr/>
+          <a:lstStyle/>
+          <a:p>
+            <a:fld id="{B8DACC02-A2BD-4578-8E03-6D891060A695}" type="slidenum">
+              <a:rPr lang="en-US" smtClean="0"/>
+              <a:pPr/>
+              <a:t>18</a:t>
+            </a:fld>
+            <a:endParaRPr lang="en-US" dirty="0"/>
+          </a:p>
+        </p:txBody>
+      </p:sp>
+    </p:spTree>
+    <p:extLst>
+      <p:ext uri="{BB962C8B-B14F-4D97-AF65-F5344CB8AC3E}">
+        <p14:creationId xmlns:p14="http://schemas.microsoft.com/office/powerpoint/2010/main" val="3222583093"/>
+      </p:ext>
+    </p:extLst>
+  </p:cSld>
+  <p:clrMapOvr>
+    <a:masterClrMapping/>
+  </p:clrMapOvr>
+</p:sld>
+</file>
+
+<file path=ppt/slides/slide19.xml><?xml version="1.0" encoding="utf-8"?>
+<p:sld xmlns:a="http://schemas.openxmlformats.org/drawingml/2006/main" xmlns:r="http://schemas.openxmlformats.org/officeDocument/2006/relationships" xmlns:p="http://schemas.openxmlformats.org/presentationml/2006/main">
+  <p:cSld>
+    <p:spTree>
+      <p:nvGrpSpPr>
+        <p:cNvPr id="1" name=""/>
+        <p:cNvGrpSpPr/>
+        <p:nvPr/>
+      </p:nvGrpSpPr>
+      <p:grpSpPr>
+        <a:xfrm>
+          <a:off x="0" y="0"/>
+          <a:ext cx="0" cy="0"/>
+          <a:chOff x="0" y="0"/>
+          <a:chExt cx="0" cy="0"/>
+        </a:xfrm>
+      </p:grpSpPr>
+      <p:sp>
+        <p:nvSpPr>
+          <p:cNvPr id="2" name="Title 1"/>
+          <p:cNvSpPr>
+            <a:spLocks noGrp="1"/>
+          </p:cNvSpPr>
+          <p:nvPr>
+            <p:ph type="title"/>
+          </p:nvPr>
+        </p:nvSpPr>
+        <p:spPr/>
+        <p:txBody>
+          <a:bodyPr/>
+          <a:lstStyle/>
+          <a:p>
+            <a:r>
+              <a:rPr lang="en-US" dirty="0"/>
+              <a:t>Sprint Planning</a:t>
+            </a:r>
+          </a:p>
+        </p:txBody>
+      </p:sp>
+      <p:sp>
+        <p:nvSpPr>
+          <p:cNvPr id="3" name="Content Placeholder 2"/>
+          <p:cNvSpPr>
+            <a:spLocks noGrp="1"/>
+          </p:cNvSpPr>
+          <p:nvPr>
+            <p:ph idx="1"/>
+          </p:nvPr>
+        </p:nvSpPr>
+        <p:spPr/>
+        <p:txBody>
+          <a:bodyPr/>
+          <a:lstStyle/>
+          <a:p>
+            <a:r>
+              <a:rPr lang="en-US" dirty="0"/>
+              <a:t>Purpose of sprint planning (e.g., set goals, allocate resources, prioritize tasks)</a:t>
+            </a:r>
+          </a:p>
+          <a:p>
+            <a:r>
+              <a:rPr lang="en-US" dirty="0"/>
+              <a:t>Sprint planning process (e.g., identifying requirements, estimating effort, creating a sprint backlog)</a:t>
+            </a:r>
+          </a:p>
+        </p:txBody>
+      </p:sp>
+      <p:sp>
+        <p:nvSpPr>
+          <p:cNvPr id="4" name="Slide Number Placeholder 3"/>
+          <p:cNvSpPr>
+            <a:spLocks noGrp="1"/>
+          </p:cNvSpPr>
+          <p:nvPr>
+            <p:ph type="sldNum" sz="quarter" idx="12"/>
+          </p:nvPr>
+        </p:nvSpPr>
+        <p:spPr/>
+        <p:txBody>
+          <a:bodyPr/>
+          <a:lstStyle/>
+          <a:p>
+            <a:fld id="{B8DACC02-A2BD-4578-8E03-6D891060A695}" type="slidenum">
+              <a:rPr lang="en-US" smtClean="0"/>
+              <a:pPr/>
+              <a:t>19</a:t>
+            </a:fld>
+            <a:endParaRPr lang="en-US" dirty="0"/>
+          </a:p>
+        </p:txBody>
+      </p:sp>
+    </p:spTree>
+    <p:extLst>
+      <p:ext uri="{BB962C8B-B14F-4D97-AF65-F5344CB8AC3E}">
+        <p14:creationId xmlns:p14="http://schemas.microsoft.com/office/powerpoint/2010/main" val="2496963474"/>
+      </p:ext>
+    </p:extLst>
+  </p:cSld>
+  <p:clrMapOvr>
+    <a:masterClrMapping/>
+  </p:clrMapOvr>
+  <p:timing>
+    <p:tnLst>
+      <p:par>
+        <p:cTn id="1" dur="indefinite" restart="never" nodeType="tmRoot"/>
+      </p:par>
+    </p:tnLst>
+  </p:timing>
+</p:sld>
+</file>
+
+<file path=ppt/slides/slide2.xml><?xml version="1.0" encoding="utf-8"?>
+<p:sld xmlns:a="http://schemas.openxmlformats.org/drawingml/2006/main" xmlns:r="http://schemas.openxmlformats.org/officeDocument/2006/relationships" xmlns:p="http://schemas.openxmlformats.org/presentationml/2006/main">
+  <p:cSld>
+    <p:spTree>
+      <p:nvGrpSpPr>
+        <p:cNvPr id="1" name=""/>
+        <p:cNvGrpSpPr/>
+        <p:nvPr/>
+      </p:nvGrpSpPr>
+      <p:grpSpPr>
+        <a:xfrm>
+          <a:off x="0" y="0"/>
+          <a:ext cx="0" cy="0"/>
+          <a:chOff x="0" y="0"/>
+          <a:chExt cx="0" cy="0"/>
+        </a:xfrm>
+      </p:grpSpPr>
+      <p:sp>
+        <p:nvSpPr>
+          <p:cNvPr id="2" name="Title 1"/>
+          <p:cNvSpPr>
+            <a:spLocks noGrp="1"/>
+          </p:cNvSpPr>
+          <p:nvPr>
+            <p:ph type="title"/>
+          </p:nvPr>
+        </p:nvSpPr>
+        <p:spPr/>
+        <p:txBody>
+          <a:bodyPr/>
+          <a:lstStyle/>
+          <a:p>
+            <a:r>
+              <a:rPr lang="en-US" dirty="0"/>
+              <a:t>Introduction</a:t>
+            </a:r>
+          </a:p>
+        </p:txBody>
+      </p:sp>
+      <p:sp>
+        <p:nvSpPr>
+          <p:cNvPr id="3" name="Content Placeholder 2"/>
+          <p:cNvSpPr>
+            <a:spLocks noGrp="1"/>
+          </p:cNvSpPr>
+          <p:nvPr>
+            <p:ph idx="1"/>
+          </p:nvPr>
+        </p:nvSpPr>
+        <p:spPr/>
+        <p:txBody>
+          <a:bodyPr/>
+          <a:lstStyle/>
+          <a:p>
+            <a:r>
+              <a:rPr lang="en-US" dirty="0"/>
+              <a:t>Clean code, minimal complexity, and good readability and maintainability are critical elements of effective software development.</a:t>
+            </a:r>
+          </a:p>
+          <a:p>
+            <a:r>
+              <a:rPr lang="en-US" dirty="0" smtClean="0"/>
+              <a:t>They </a:t>
+            </a:r>
+            <a:r>
+              <a:rPr lang="en-US" dirty="0"/>
+              <a:t>help developers write code that is easy to understand, modify, and maintain, reducing the time and effort required for debugging, troubleshooting, and adding new features.</a:t>
+            </a:r>
+          </a:p>
+        </p:txBody>
+      </p:sp>
+      <p:sp>
+        <p:nvSpPr>
+          <p:cNvPr id="4" name="Slide Number Placeholder 3"/>
+          <p:cNvSpPr>
+            <a:spLocks noGrp="1"/>
+          </p:cNvSpPr>
+          <p:nvPr>
+            <p:ph type="sldNum" sz="quarter" idx="12"/>
+          </p:nvPr>
+        </p:nvSpPr>
+        <p:spPr/>
+        <p:txBody>
+          <a:bodyPr/>
+          <a:lstStyle/>
+          <a:p>
+            <a:fld id="{B8DACC02-A2BD-4578-8E03-6D891060A695}" type="slidenum">
+              <a:rPr lang="en-US" smtClean="0"/>
+              <a:pPr/>
+              <a:t>2</a:t>
+            </a:fld>
+            <a:endParaRPr lang="en-US" dirty="0"/>
+          </a:p>
+        </p:txBody>
+      </p:sp>
+    </p:spTree>
+    <p:extLst>
+      <p:ext uri="{BB962C8B-B14F-4D97-AF65-F5344CB8AC3E}">
+        <p14:creationId xmlns:p14="http://schemas.microsoft.com/office/powerpoint/2010/main" val="2490819176"/>
+      </p:ext>
+    </p:extLst>
+  </p:cSld>
+  <p:clrMapOvr>
+    <a:masterClrMapping/>
+  </p:clrMapOvr>
+</p:sld>
+</file>
+
+<file path=ppt/slides/slide20.xml><?xml version="1.0" encoding="utf-8"?>
+<p:sld xmlns:a="http://schemas.openxmlformats.org/drawingml/2006/main" xmlns:r="http://schemas.openxmlformats.org/officeDocument/2006/relationships" xmlns:p="http://schemas.openxmlformats.org/presentationml/2006/main">
+  <p:cSld>
+    <p:spTree>
+      <p:nvGrpSpPr>
+        <p:cNvPr id="1" name=""/>
+        <p:cNvGrpSpPr/>
+        <p:nvPr/>
+      </p:nvGrpSpPr>
+      <p:grpSpPr>
+        <a:xfrm>
+          <a:off x="0" y="0"/>
+          <a:ext cx="0" cy="0"/>
+          <a:chOff x="0" y="0"/>
+          <a:chExt cx="0" cy="0"/>
+        </a:xfrm>
+      </p:grpSpPr>
+      <p:sp>
+        <p:nvSpPr>
+          <p:cNvPr id="4" name="Slide Number Placeholder 3"/>
+          <p:cNvSpPr>
+            <a:spLocks noGrp="1"/>
+          </p:cNvSpPr>
+          <p:nvPr>
+            <p:ph type="sldNum" sz="quarter" idx="12"/>
+          </p:nvPr>
+        </p:nvSpPr>
+        <p:spPr/>
+        <p:txBody>
+          <a:bodyPr/>
+          <a:lstStyle/>
+          <a:p>
+            <a:fld id="{B8DACC02-A2BD-4578-8E03-6D891060A695}" type="slidenum">
+              <a:rPr lang="en-US" smtClean="0"/>
+              <a:pPr/>
+              <a:t>20</a:t>
+            </a:fld>
+            <a:endParaRPr lang="en-US" dirty="0"/>
+          </a:p>
+        </p:txBody>
+      </p:sp>
+      <p:pic>
+        <p:nvPicPr>
+          <p:cNvPr id="6" name="Picture 5"/>
+          <p:cNvPicPr>
+            <a:picLocks noChangeAspect="1"/>
+          </p:cNvPicPr>
+          <p:nvPr/>
+        </p:nvPicPr>
+        <p:blipFill>
+          <a:blip r:embed="rId2"/>
+          <a:stretch>
+            <a:fillRect/>
+          </a:stretch>
+        </p:blipFill>
+        <p:spPr>
+          <a:xfrm>
+            <a:off x="275471" y="219735"/>
+            <a:ext cx="6915150" cy="3467100"/>
+          </a:xfrm>
+          <a:prstGeom prst="rect">
+            <a:avLst/>
+          </a:prstGeom>
+        </p:spPr>
+      </p:pic>
+      <p:pic>
+        <p:nvPicPr>
+          <p:cNvPr id="7" name="Picture 6"/>
+          <p:cNvPicPr>
+            <a:picLocks noChangeAspect="1"/>
+          </p:cNvPicPr>
+          <p:nvPr/>
+        </p:nvPicPr>
+        <p:blipFill>
+          <a:blip r:embed="rId3"/>
+          <a:stretch>
+            <a:fillRect/>
+          </a:stretch>
+        </p:blipFill>
+        <p:spPr>
+          <a:xfrm>
+            <a:off x="4997748" y="3004854"/>
+            <a:ext cx="5781675" cy="3419475"/>
+          </a:xfrm>
+          <a:prstGeom prst="rect">
+            <a:avLst/>
+          </a:prstGeom>
+        </p:spPr>
+      </p:pic>
+    </p:spTree>
+    <p:extLst>
+      <p:ext uri="{BB962C8B-B14F-4D97-AF65-F5344CB8AC3E}">
+        <p14:creationId xmlns:p14="http://schemas.microsoft.com/office/powerpoint/2010/main" val="803650760"/>
+      </p:ext>
+    </p:extLst>
+  </p:cSld>
+  <p:clrMapOvr>
+    <a:masterClrMapping/>
+  </p:clrMapOvr>
+  <p:timing>
+    <p:tnLst>
+      <p:par>
+        <p:cTn id="1" dur="indefinite" restart="never" nodeType="tmRoot">
+          <p:childTnLst>
+            <p:seq concurrent="1" nextAc="seek">
+              <p:cTn id="2" dur="indefinite" nodeType="mainSeq">
+                <p:childTnLst>
+                  <p:par>
+                    <p:cTn id="3" fill="hold">
+                      <p:stCondLst>
+                        <p:cond delay="indefinite"/>
+                      </p:stCondLst>
+                      <p:childTnLst>
+                        <p:par>
+                          <p:cTn id="4" fill="hold">
+                            <p:stCondLst>
+                              <p:cond delay="0"/>
+                            </p:stCondLst>
+                            <p:childTnLst>
+                              <p:par>
+                                <p:cTn id="5" presetID="1" presetClass="entr" presetSubtype="0" fill="hold" nodeType="clickEffect">
+                                  <p:stCondLst>
+                                    <p:cond delay="0"/>
+                                  </p:stCondLst>
+                                  <p:childTnLst>
+                                    <p:set>
+                                      <p:cBhvr>
+                                        <p:cTn id="6" dur="1" fill="hold">
+                                          <p:stCondLst>
+                                            <p:cond delay="0"/>
+                                          </p:stCondLst>
+                                        </p:cTn>
+                                        <p:tgtEl>
+                                          <p:spTgt spid="6"/>
+                                        </p:tgtEl>
+                                        <p:attrNameLst>
+                                          <p:attrName>style.visibility</p:attrName>
+                                        </p:attrNameLst>
+                                      </p:cBhvr>
+                                      <p:to>
+                                        <p:strVal val="visible"/>
+                                      </p:to>
+                                    </p:set>
+                                  </p:childTnLst>
+                                </p:cTn>
+                              </p:par>
+                            </p:childTnLst>
+                          </p:cTn>
+                        </p:par>
+                      </p:childTnLst>
+                    </p:cTn>
+                  </p:par>
+                  <p:par>
+                    <p:cTn id="7" fill="hold">
+                      <p:stCondLst>
+                        <p:cond delay="indefinite"/>
+                      </p:stCondLst>
+                      <p:childTnLst>
+                        <p:par>
+                          <p:cTn id="8" fill="hold">
+                            <p:stCondLst>
+                              <p:cond delay="0"/>
+                            </p:stCondLst>
+                            <p:childTnLst>
+                              <p:par>
+                                <p:cTn id="9" presetID="1" presetClass="entr" presetSubtype="0" fill="hold" nodeType="clickEffect">
+                                  <p:stCondLst>
+                                    <p:cond delay="0"/>
+                                  </p:stCondLst>
+                                  <p:childTnLst>
+                                    <p:set>
+                                      <p:cBhvr>
+                                        <p:cTn id="10" dur="1" fill="hold">
+                                          <p:stCondLst>
+                                            <p:cond delay="0"/>
+                                          </p:stCondLst>
+                                        </p:cTn>
+                                        <p:tgtEl>
+                                          <p:spTgt spid="7"/>
+                                        </p:tgtEl>
+                                        <p:attrNameLst>
+                                          <p:attrName>style.visibility</p:attrName>
+                                        </p:attrNameLst>
+                                      </p:cBhvr>
+                                      <p:to>
+                                        <p:strVal val="visible"/>
+                                      </p:to>
+                                    </p:set>
+                                  </p:childTnLst>
+                                </p:cTn>
+                              </p:par>
+                            </p:childTnLst>
+                          </p:cTn>
+                        </p:par>
+                      </p:childTnLst>
+                    </p:cTn>
+                  </p:par>
+                </p:childTnLst>
+              </p:cTn>
+              <p:prevCondLst>
+                <p:cond evt="onPrev" delay="0">
+                  <p:tgtEl>
+                    <p:sldTgt/>
+                  </p:tgtEl>
+                </p:cond>
+              </p:prevCondLst>
+              <p:nextCondLst>
+                <p:cond evt="onNext" delay="0">
+                  <p:tgtEl>
+                    <p:sldTgt/>
+                  </p:tgtEl>
+                </p:cond>
+              </p:nextCondLst>
+            </p:seq>
+          </p:childTnLst>
+        </p:cTn>
+      </p:par>
+    </p:tnLst>
+  </p:timing>
+</p:sld>
+</file>
+
+<file path=ppt/slides/slide21.xml><?xml version="1.0" encoding="utf-8"?>
+<p:sld xmlns:a="http://schemas.openxmlformats.org/drawingml/2006/main" xmlns:r="http://schemas.openxmlformats.org/officeDocument/2006/relationships" xmlns:p="http://schemas.openxmlformats.org/presentationml/2006/main">
+  <p:cSld>
+    <p:spTree>
+      <p:nvGrpSpPr>
+        <p:cNvPr id="1" name=""/>
+        <p:cNvGrpSpPr/>
+        <p:nvPr/>
+      </p:nvGrpSpPr>
+      <p:grpSpPr>
+        <a:xfrm>
+          <a:off x="0" y="0"/>
+          <a:ext cx="0" cy="0"/>
+          <a:chOff x="0" y="0"/>
+          <a:chExt cx="0" cy="0"/>
+        </a:xfrm>
+      </p:grpSpPr>
+      <p:sp>
+        <p:nvSpPr>
+          <p:cNvPr id="2" name="Slide Number Placeholder 1"/>
+          <p:cNvSpPr>
+            <a:spLocks noGrp="1"/>
+          </p:cNvSpPr>
+          <p:nvPr>
+            <p:ph type="sldNum" sz="quarter" idx="12"/>
+          </p:nvPr>
+        </p:nvSpPr>
+        <p:spPr/>
+        <p:txBody>
+          <a:bodyPr/>
+          <a:lstStyle/>
+          <a:p>
+            <a:fld id="{B8DACC02-A2BD-4578-8E03-6D891060A695}" type="slidenum">
+              <a:rPr lang="en-US" smtClean="0"/>
+              <a:t>21</a:t>
+            </a:fld>
+            <a:endParaRPr lang="en-US"/>
+          </a:p>
+        </p:txBody>
+      </p:sp>
+      <p:pic>
+        <p:nvPicPr>
+          <p:cNvPr id="3" name="Picture 2"/>
+          <p:cNvPicPr>
+            <a:picLocks noChangeAspect="1"/>
+          </p:cNvPicPr>
+          <p:nvPr/>
+        </p:nvPicPr>
+        <p:blipFill>
+          <a:blip r:embed="rId2"/>
+          <a:stretch>
+            <a:fillRect/>
+          </a:stretch>
+        </p:blipFill>
+        <p:spPr>
+          <a:xfrm>
+            <a:off x="303338" y="240341"/>
+            <a:ext cx="5972175" cy="3914775"/>
+          </a:xfrm>
+          <a:prstGeom prst="rect">
+            <a:avLst/>
+          </a:prstGeom>
+        </p:spPr>
+      </p:pic>
+      <p:pic>
+        <p:nvPicPr>
+          <p:cNvPr id="4" name="Picture 3"/>
+          <p:cNvPicPr>
+            <a:picLocks noChangeAspect="1"/>
+          </p:cNvPicPr>
+          <p:nvPr/>
+        </p:nvPicPr>
+        <p:blipFill>
+          <a:blip r:embed="rId3"/>
+          <a:stretch>
+            <a:fillRect/>
+          </a:stretch>
+        </p:blipFill>
+        <p:spPr>
+          <a:xfrm>
+            <a:off x="5431843" y="2502812"/>
+            <a:ext cx="5800725" cy="4133850"/>
+          </a:xfrm>
+          <a:prstGeom prst="rect">
+            <a:avLst/>
+          </a:prstGeom>
+        </p:spPr>
+      </p:pic>
+    </p:spTree>
+    <p:extLst>
+      <p:ext uri="{BB962C8B-B14F-4D97-AF65-F5344CB8AC3E}">
+        <p14:creationId xmlns:p14="http://schemas.microsoft.com/office/powerpoint/2010/main" val="1169386811"/>
+      </p:ext>
+    </p:extLst>
+  </p:cSld>
+  <p:clrMapOvr>
+    <a:masterClrMapping/>
+  </p:clrMapOvr>
+  <p:timing>
+    <p:tnLst>
+      <p:par>
+        <p:cTn id="1" dur="indefinite" restart="never" nodeType="tmRoot">
+          <p:childTnLst>
+            <p:seq concurrent="1" nextAc="seek">
+              <p:cTn id="2" dur="indefinite" nodeType="mainSeq">
+                <p:childTnLst>
+                  <p:par>
+                    <p:cTn id="3" fill="hold">
+                      <p:stCondLst>
+                        <p:cond delay="indefinite"/>
+                      </p:stCondLst>
+                      <p:childTnLst>
+                        <p:par>
+                          <p:cTn id="4" fill="hold">
+                            <p:stCondLst>
+                              <p:cond delay="0"/>
+                            </p:stCondLst>
+                            <p:childTnLst>
+                              <p:par>
+                                <p:cTn id="5" presetID="1" presetClass="entr" presetSubtype="0" fill="hold" nodeType="clickEffect">
+                                  <p:stCondLst>
+                                    <p:cond delay="0"/>
+                                  </p:stCondLst>
+                                  <p:childTnLst>
+                                    <p:set>
+                                      <p:cBhvr>
+                                        <p:cTn id="6" dur="1" fill="hold">
+                                          <p:stCondLst>
+                                            <p:cond delay="0"/>
+                                          </p:stCondLst>
+                                        </p:cTn>
+                                        <p:tgtEl>
+                                          <p:spTgt spid="3"/>
+                                        </p:tgtEl>
+                                        <p:attrNameLst>
+                                          <p:attrName>style.visibility</p:attrName>
+                                        </p:attrNameLst>
+                                      </p:cBhvr>
+                                      <p:to>
+                                        <p:strVal val="visible"/>
+                                      </p:to>
+                                    </p:set>
+                                  </p:childTnLst>
+                                </p:cTn>
+                              </p:par>
+                            </p:childTnLst>
+                          </p:cTn>
+                        </p:par>
+                      </p:childTnLst>
+                    </p:cTn>
+                  </p:par>
+                  <p:par>
+                    <p:cTn id="7" fill="hold">
+                      <p:stCondLst>
+                        <p:cond delay="indefinite"/>
+                      </p:stCondLst>
+                      <p:childTnLst>
+                        <p:par>
+                          <p:cTn id="8" fill="hold">
+                            <p:stCondLst>
+                              <p:cond delay="0"/>
+                            </p:stCondLst>
+                            <p:childTnLst>
+                              <p:par>
+                                <p:cTn id="9" presetID="1" presetClass="entr" presetSubtype="0" fill="hold" nodeType="clickEffect">
+                                  <p:stCondLst>
+                                    <p:cond delay="0"/>
+                                  </p:stCondLst>
+                                  <p:childTnLst>
+                                    <p:set>
+                                      <p:cBhvr>
+                                        <p:cTn id="10" dur="1" fill="hold">
+                                          <p:stCondLst>
+                                            <p:cond delay="0"/>
+                                          </p:stCondLst>
+                                        </p:cTn>
+                                        <p:tgtEl>
+                                          <p:spTgt spid="4"/>
+                                        </p:tgtEl>
+                                        <p:attrNameLst>
+                                          <p:attrName>style.visibility</p:attrName>
+                                        </p:attrNameLst>
+                                      </p:cBhvr>
+                                      <p:to>
+                                        <p:strVal val="visible"/>
+                                      </p:to>
+                                    </p:set>
+                                  </p:childTnLst>
+                                </p:cTn>
+                              </p:par>
+                            </p:childTnLst>
+                          </p:cTn>
+                        </p:par>
+                      </p:childTnLst>
+                    </p:cTn>
+                  </p:par>
+                </p:childTnLst>
+              </p:cTn>
+              <p:prevCondLst>
+                <p:cond evt="onPrev" delay="0">
+                  <p:tgtEl>
+                    <p:sldTgt/>
+                  </p:tgtEl>
+                </p:cond>
+              </p:prevCondLst>
+              <p:nextCondLst>
+                <p:cond evt="onNext" delay="0">
+                  <p:tgtEl>
+                    <p:sldTgt/>
+                  </p:tgtEl>
+                </p:cond>
+              </p:nextCondLst>
+            </p:seq>
+          </p:childTnLst>
+        </p:cTn>
+      </p:par>
+    </p:tnLst>
+  </p:timing>
+</p:sld>
+</file>
+
+<file path=ppt/slides/slide22.xml><?xml version="1.0" encoding="utf-8"?>
+<p:sld xmlns:a="http://schemas.openxmlformats.org/drawingml/2006/main" xmlns:r="http://schemas.openxmlformats.org/officeDocument/2006/relationships" xmlns:p="http://schemas.openxmlformats.org/presentationml/2006/main">
+  <p:cSld>
+    <p:spTree>
+      <p:nvGrpSpPr>
+        <p:cNvPr id="1" name=""/>
+        <p:cNvGrpSpPr/>
+        <p:nvPr/>
+      </p:nvGrpSpPr>
+      <p:grpSpPr>
+        <a:xfrm>
+          <a:off x="0" y="0"/>
+          <a:ext cx="0" cy="0"/>
+          <a:chOff x="0" y="0"/>
+          <a:chExt cx="0" cy="0"/>
+        </a:xfrm>
+      </p:grpSpPr>
+      <p:sp>
+        <p:nvSpPr>
+          <p:cNvPr id="2" name="Slide Number Placeholder 1"/>
+          <p:cNvSpPr>
+            <a:spLocks noGrp="1"/>
+          </p:cNvSpPr>
+          <p:nvPr>
+            <p:ph type="sldNum" sz="quarter" idx="12"/>
+          </p:nvPr>
+        </p:nvSpPr>
+        <p:spPr/>
+        <p:txBody>
+          <a:bodyPr/>
+          <a:lstStyle/>
+          <a:p>
+            <a:fld id="{B8DACC02-A2BD-4578-8E03-6D891060A695}" type="slidenum">
+              <a:rPr lang="en-US" smtClean="0"/>
+              <a:t>22</a:t>
+            </a:fld>
+            <a:endParaRPr lang="en-US"/>
+          </a:p>
+        </p:txBody>
+      </p:sp>
+      <p:pic>
+        <p:nvPicPr>
+          <p:cNvPr id="3" name="Picture 2"/>
+          <p:cNvPicPr>
+            <a:picLocks noChangeAspect="1"/>
+          </p:cNvPicPr>
+          <p:nvPr/>
+        </p:nvPicPr>
+        <p:blipFill>
+          <a:blip r:embed="rId2"/>
+          <a:stretch>
+            <a:fillRect/>
+          </a:stretch>
+        </p:blipFill>
+        <p:spPr>
+          <a:xfrm>
+            <a:off x="313240" y="72380"/>
+            <a:ext cx="5572125" cy="4848225"/>
+          </a:xfrm>
+          <a:prstGeom prst="rect">
+            <a:avLst/>
+          </a:prstGeom>
+        </p:spPr>
+      </p:pic>
+      <p:pic>
+        <p:nvPicPr>
+          <p:cNvPr id="4" name="Picture 3"/>
+          <p:cNvPicPr>
+            <a:picLocks noChangeAspect="1"/>
+          </p:cNvPicPr>
+          <p:nvPr/>
+        </p:nvPicPr>
+        <p:blipFill>
+          <a:blip r:embed="rId3"/>
+          <a:stretch>
+            <a:fillRect/>
+          </a:stretch>
+        </p:blipFill>
+        <p:spPr>
+          <a:xfrm>
+            <a:off x="6039321" y="196850"/>
+            <a:ext cx="5581650" cy="6524625"/>
+          </a:xfrm>
+          <a:prstGeom prst="rect">
+            <a:avLst/>
+          </a:prstGeom>
+        </p:spPr>
+      </p:pic>
+    </p:spTree>
+    <p:extLst>
+      <p:ext uri="{BB962C8B-B14F-4D97-AF65-F5344CB8AC3E}">
+        <p14:creationId xmlns:p14="http://schemas.microsoft.com/office/powerpoint/2010/main" val="931509471"/>
+      </p:ext>
+    </p:extLst>
+  </p:cSld>
+  <p:clrMapOvr>
+    <a:masterClrMapping/>
+  </p:clrMapOvr>
+  <p:timing>
+    <p:tnLst>
+      <p:par>
+        <p:cTn id="1" dur="indefinite" restart="never" nodeType="tmRoot">
+          <p:childTnLst>
+            <p:seq concurrent="1" nextAc="seek">
+              <p:cTn id="2" dur="indefinite" nodeType="mainSeq">
+                <p:childTnLst>
+                  <p:par>
+                    <p:cTn id="3" fill="hold">
+                      <p:stCondLst>
+                        <p:cond delay="indefinite"/>
+                      </p:stCondLst>
+                      <p:childTnLst>
+                        <p:par>
+                          <p:cTn id="4" fill="hold">
+                            <p:stCondLst>
+                              <p:cond delay="0"/>
+                            </p:stCondLst>
+                            <p:childTnLst>
+                              <p:par>
+                                <p:cTn id="5" presetID="1" presetClass="entr" presetSubtype="0" fill="hold" nodeType="clickEffect">
+                                  <p:stCondLst>
+                                    <p:cond delay="0"/>
+                                  </p:stCondLst>
+                                  <p:childTnLst>
+                                    <p:set>
+                                      <p:cBhvr>
+                                        <p:cTn id="6" dur="1" fill="hold">
+                                          <p:stCondLst>
+                                            <p:cond delay="0"/>
+                                          </p:stCondLst>
+                                        </p:cTn>
+                                        <p:tgtEl>
+                                          <p:spTgt spid="3"/>
+                                        </p:tgtEl>
+                                        <p:attrNameLst>
+                                          <p:attrName>style.visibility</p:attrName>
+                                        </p:attrNameLst>
+                                      </p:cBhvr>
+                                      <p:to>
+                                        <p:strVal val="visible"/>
+                                      </p:to>
+                                    </p:set>
+                                  </p:childTnLst>
+                                </p:cTn>
+                              </p:par>
+                            </p:childTnLst>
+                          </p:cTn>
+                        </p:par>
+                      </p:childTnLst>
+                    </p:cTn>
+                  </p:par>
+                  <p:par>
+                    <p:cTn id="7" fill="hold">
+                      <p:stCondLst>
+                        <p:cond delay="indefinite"/>
+                      </p:stCondLst>
+                      <p:childTnLst>
+                        <p:par>
+                          <p:cTn id="8" fill="hold">
+                            <p:stCondLst>
+                              <p:cond delay="0"/>
+                            </p:stCondLst>
+                            <p:childTnLst>
+                              <p:par>
+                                <p:cTn id="9" presetID="1" presetClass="entr" presetSubtype="0" fill="hold" nodeType="clickEffect">
+                                  <p:stCondLst>
+                                    <p:cond delay="0"/>
+                                  </p:stCondLst>
+                                  <p:childTnLst>
+                                    <p:set>
+                                      <p:cBhvr>
+                                        <p:cTn id="10" dur="1" fill="hold">
+                                          <p:stCondLst>
+                                            <p:cond delay="0"/>
+                                          </p:stCondLst>
+                                        </p:cTn>
+                                        <p:tgtEl>
+                                          <p:spTgt spid="4"/>
+                                        </p:tgtEl>
+                                        <p:attrNameLst>
+                                          <p:attrName>style.visibility</p:attrName>
+                                        </p:attrNameLst>
+                                      </p:cBhvr>
+                                      <p:to>
+                                        <p:strVal val="visible"/>
+                                      </p:to>
+                                    </p:set>
+                                  </p:childTnLst>
+                                </p:cTn>
+                              </p:par>
+                            </p:childTnLst>
+                          </p:cTn>
+                        </p:par>
+                      </p:childTnLst>
+                    </p:cTn>
+                  </p:par>
+                </p:childTnLst>
+              </p:cTn>
+              <p:prevCondLst>
+                <p:cond evt="onPrev" delay="0">
+                  <p:tgtEl>
+                    <p:sldTgt/>
+                  </p:tgtEl>
+                </p:cond>
+              </p:prevCondLst>
+              <p:nextCondLst>
+                <p:cond evt="onNext" delay="0">
+                  <p:tgtEl>
+                    <p:sldTgt/>
+                  </p:tgtEl>
+                </p:cond>
+              </p:nextCondLst>
+            </p:seq>
+          </p:childTnLst>
+        </p:cTn>
+      </p:par>
+    </p:tnLst>
+  </p:timing>
+</p:sld>
+</file>
+
+<file path=ppt/slides/slide23.xml><?xml version="1.0" encoding="utf-8"?>
+<p:sld xmlns:a="http://schemas.openxmlformats.org/drawingml/2006/main" xmlns:r="http://schemas.openxmlformats.org/officeDocument/2006/relationships" xmlns:p="http://schemas.openxmlformats.org/presentationml/2006/main">
+  <p:cSld>
+    <p:spTree>
+      <p:nvGrpSpPr>
+        <p:cNvPr id="1" name=""/>
+        <p:cNvGrpSpPr/>
+        <p:nvPr/>
+      </p:nvGrpSpPr>
+      <p:grpSpPr>
+        <a:xfrm>
+          <a:off x="0" y="0"/>
+          <a:ext cx="0" cy="0"/>
+          <a:chOff x="0" y="0"/>
+          <a:chExt cx="0" cy="0"/>
+        </a:xfrm>
+      </p:grpSpPr>
+      <p:sp>
+        <p:nvSpPr>
+          <p:cNvPr id="2" name="Slide Number Placeholder 1"/>
+          <p:cNvSpPr>
+            <a:spLocks noGrp="1"/>
+          </p:cNvSpPr>
+          <p:nvPr>
+            <p:ph type="sldNum" sz="quarter" idx="12"/>
+          </p:nvPr>
+        </p:nvSpPr>
+        <p:spPr/>
+        <p:txBody>
+          <a:bodyPr/>
+          <a:lstStyle/>
+          <a:p>
+            <a:fld id="{B8DACC02-A2BD-4578-8E03-6D891060A695}" type="slidenum">
+              <a:rPr lang="en-US" smtClean="0"/>
+              <a:t>23</a:t>
+            </a:fld>
+            <a:endParaRPr lang="en-US"/>
+          </a:p>
+        </p:txBody>
+      </p:sp>
+      <p:pic>
+        <p:nvPicPr>
+          <p:cNvPr id="3" name="Picture 2"/>
+          <p:cNvPicPr>
+            <a:picLocks noChangeAspect="1"/>
+          </p:cNvPicPr>
+          <p:nvPr/>
+        </p:nvPicPr>
+        <p:blipFill>
+          <a:blip r:embed="rId2"/>
+          <a:stretch>
+            <a:fillRect/>
+          </a:stretch>
+        </p:blipFill>
+        <p:spPr>
+          <a:xfrm>
+            <a:off x="292163" y="140140"/>
+            <a:ext cx="5143500" cy="5219700"/>
+          </a:xfrm>
+          <a:prstGeom prst="rect">
+            <a:avLst/>
+          </a:prstGeom>
+        </p:spPr>
+      </p:pic>
+      <p:pic>
+        <p:nvPicPr>
+          <p:cNvPr id="4" name="Picture 3"/>
+          <p:cNvPicPr>
+            <a:picLocks noChangeAspect="1"/>
+          </p:cNvPicPr>
+          <p:nvPr/>
+        </p:nvPicPr>
+        <p:blipFill>
+          <a:blip r:embed="rId3"/>
+          <a:stretch>
+            <a:fillRect/>
+          </a:stretch>
+        </p:blipFill>
+        <p:spPr>
+          <a:xfrm>
+            <a:off x="5819538" y="1988555"/>
+            <a:ext cx="5133975" cy="3695700"/>
+          </a:xfrm>
+          <a:prstGeom prst="rect">
+            <a:avLst/>
+          </a:prstGeom>
+        </p:spPr>
+      </p:pic>
+    </p:spTree>
+    <p:extLst>
+      <p:ext uri="{BB962C8B-B14F-4D97-AF65-F5344CB8AC3E}">
+        <p14:creationId xmlns:p14="http://schemas.microsoft.com/office/powerpoint/2010/main" val="2258568970"/>
+      </p:ext>
+    </p:extLst>
+  </p:cSld>
+  <p:clrMapOvr>
+    <a:masterClrMapping/>
+  </p:clrMapOvr>
+  <p:timing>
+    <p:tnLst>
+      <p:par>
+        <p:cTn id="1" dur="indefinite" restart="never" nodeType="tmRoot">
+          <p:childTnLst>
+            <p:seq concurrent="1" nextAc="seek">
+              <p:cTn id="2" dur="indefinite" nodeType="mainSeq">
+                <p:childTnLst>
+                  <p:par>
+                    <p:cTn id="3" fill="hold">
+                      <p:stCondLst>
+                        <p:cond delay="indefinite"/>
+                      </p:stCondLst>
+                      <p:childTnLst>
+                        <p:par>
+                          <p:cTn id="4" fill="hold">
+                            <p:stCondLst>
+                              <p:cond delay="0"/>
+                            </p:stCondLst>
+                            <p:childTnLst>
+                              <p:par>
+                                <p:cTn id="5" presetID="1" presetClass="entr" presetSubtype="0" fill="hold" nodeType="clickEffect">
+                                  <p:stCondLst>
+                                    <p:cond delay="0"/>
+                                  </p:stCondLst>
+                                  <p:childTnLst>
+                                    <p:set>
+                                      <p:cBhvr>
+                                        <p:cTn id="6" dur="1" fill="hold">
+                                          <p:stCondLst>
+                                            <p:cond delay="0"/>
+                                          </p:stCondLst>
+                                        </p:cTn>
+                                        <p:tgtEl>
+                                          <p:spTgt spid="3"/>
+                                        </p:tgtEl>
+                                        <p:attrNameLst>
+                                          <p:attrName>style.visibility</p:attrName>
+                                        </p:attrNameLst>
+                                      </p:cBhvr>
+                                      <p:to>
+                                        <p:strVal val="visible"/>
+                                      </p:to>
+                                    </p:set>
+                                  </p:childTnLst>
+                                </p:cTn>
+                              </p:par>
+                            </p:childTnLst>
+                          </p:cTn>
+                        </p:par>
+                      </p:childTnLst>
+                    </p:cTn>
+                  </p:par>
+                  <p:par>
+                    <p:cTn id="7" fill="hold">
+                      <p:stCondLst>
+                        <p:cond delay="indefinite"/>
+                      </p:stCondLst>
+                      <p:childTnLst>
+                        <p:par>
+                          <p:cTn id="8" fill="hold">
+                            <p:stCondLst>
+                              <p:cond delay="0"/>
+                            </p:stCondLst>
+                            <p:childTnLst>
+                              <p:par>
+                                <p:cTn id="9" presetID="1" presetClass="entr" presetSubtype="0" fill="hold" nodeType="clickEffect">
+                                  <p:stCondLst>
+                                    <p:cond delay="0"/>
+                                  </p:stCondLst>
+                                  <p:childTnLst>
+                                    <p:set>
+                                      <p:cBhvr>
+                                        <p:cTn id="10" dur="1" fill="hold">
+                                          <p:stCondLst>
+                                            <p:cond delay="0"/>
+                                          </p:stCondLst>
+                                        </p:cTn>
+                                        <p:tgtEl>
+                                          <p:spTgt spid="4"/>
+                                        </p:tgtEl>
+                                        <p:attrNameLst>
+                                          <p:attrName>style.visibility</p:attrName>
+                                        </p:attrNameLst>
+                                      </p:cBhvr>
+                                      <p:to>
+                                        <p:strVal val="visible"/>
+                                      </p:to>
+                                    </p:set>
+                                  </p:childTnLst>
+                                </p:cTn>
+                              </p:par>
+                            </p:childTnLst>
+                          </p:cTn>
+                        </p:par>
+                      </p:childTnLst>
+                    </p:cTn>
+                  </p:par>
+                </p:childTnLst>
+              </p:cTn>
+              <p:prevCondLst>
+                <p:cond evt="onPrev" delay="0">
+                  <p:tgtEl>
+                    <p:sldTgt/>
+                  </p:tgtEl>
+                </p:cond>
+              </p:prevCondLst>
+              <p:nextCondLst>
+                <p:cond evt="onNext" delay="0">
+                  <p:tgtEl>
+                    <p:sldTgt/>
+                  </p:tgtEl>
+                </p:cond>
+              </p:nextCondLst>
+            </p:seq>
+          </p:childTnLst>
+        </p:cTn>
+      </p:par>
+    </p:tnLst>
+  </p:timing>
+</p:sld>
+</file>
+
+<file path=ppt/slides/slide3.xml><?xml version="1.0" encoding="utf-8"?>
+<p:sld xmlns:a="http://schemas.openxmlformats.org/drawingml/2006/main" xmlns:r="http://schemas.openxmlformats.org/officeDocument/2006/relationships" xmlns:p="http://schemas.openxmlformats.org/presentationml/2006/main">
+  <p:cSld>
+    <p:spTree>
+      <p:nvGrpSpPr>
+        <p:cNvPr id="1" name=""/>
+        <p:cNvGrpSpPr/>
+        <p:nvPr/>
+      </p:nvGrpSpPr>
+      <p:grpSpPr>
+        <a:xfrm>
+          <a:off x="0" y="0"/>
+          <a:ext cx="0" cy="0"/>
+          <a:chOff x="0" y="0"/>
+          <a:chExt cx="0" cy="0"/>
+        </a:xfrm>
+      </p:grpSpPr>
+      <p:sp>
+        <p:nvSpPr>
+          <p:cNvPr id="2" name="Title 1"/>
+          <p:cNvSpPr>
+            <a:spLocks noGrp="1"/>
+          </p:cNvSpPr>
+          <p:nvPr>
+            <p:ph type="title"/>
+          </p:nvPr>
+        </p:nvSpPr>
+        <p:spPr/>
+        <p:txBody>
+          <a:bodyPr/>
+          <a:lstStyle/>
+          <a:p>
+            <a:r>
+              <a:rPr lang="en-US" dirty="0"/>
+              <a:t>Benefits of Clean Code</a:t>
+            </a:r>
+          </a:p>
+        </p:txBody>
+      </p:sp>
+      <p:sp>
+        <p:nvSpPr>
+          <p:cNvPr id="3" name="Content Placeholder 2"/>
+          <p:cNvSpPr>
+            <a:spLocks noGrp="1"/>
+          </p:cNvSpPr>
+          <p:nvPr>
+            <p:ph idx="1"/>
+          </p:nvPr>
+        </p:nvSpPr>
+        <p:spPr/>
+        <p:txBody>
+          <a:bodyPr/>
+          <a:lstStyle/>
+          <a:p>
+            <a:r>
+              <a:rPr lang="en-US" dirty="0"/>
+              <a:t>Clean code makes it easier for developers to understand the intent of the code, which helps them to identify and fix bugs more efficiently.</a:t>
+            </a:r>
+          </a:p>
+          <a:p>
+            <a:r>
+              <a:rPr lang="en-US" dirty="0" smtClean="0"/>
+              <a:t>It </a:t>
+            </a:r>
+            <a:r>
+              <a:rPr lang="en-US" dirty="0"/>
+              <a:t>also reduces the risk of introducing new bugs during development and makes it easier to add new features and functionalities.</a:t>
+            </a:r>
+          </a:p>
+        </p:txBody>
+      </p:sp>
+      <p:sp>
+        <p:nvSpPr>
+          <p:cNvPr id="4" name="Slide Number Placeholder 3"/>
+          <p:cNvSpPr>
+            <a:spLocks noGrp="1"/>
+          </p:cNvSpPr>
+          <p:nvPr>
+            <p:ph type="sldNum" sz="quarter" idx="12"/>
+          </p:nvPr>
+        </p:nvSpPr>
+        <p:spPr/>
+        <p:txBody>
+          <a:bodyPr/>
+          <a:lstStyle/>
+          <a:p>
+            <a:fld id="{B8DACC02-A2BD-4578-8E03-6D891060A695}" type="slidenum">
+              <a:rPr lang="en-US" smtClean="0"/>
+              <a:pPr/>
+              <a:t>3</a:t>
+            </a:fld>
+            <a:endParaRPr lang="en-US" dirty="0"/>
+          </a:p>
+        </p:txBody>
+      </p:sp>
+    </p:spTree>
+    <p:extLst>
+      <p:ext uri="{BB962C8B-B14F-4D97-AF65-F5344CB8AC3E}">
+        <p14:creationId xmlns:p14="http://schemas.microsoft.com/office/powerpoint/2010/main" val="3152605042"/>
+      </p:ext>
+    </p:extLst>
+  </p:cSld>
+  <p:clrMapOvr>
+    <a:masterClrMapping/>
+  </p:clrMapOvr>
+</p:sld>
+</file>
+
+<file path=ppt/slides/slide4.xml><?xml version="1.0" encoding="utf-8"?>
+<p:sld xmlns:a="http://schemas.openxmlformats.org/drawingml/2006/main" xmlns:r="http://schemas.openxmlformats.org/officeDocument/2006/relationships" xmlns:p="http://schemas.openxmlformats.org/presentationml/2006/main">
+  <p:cSld>
+    <p:spTree>
+      <p:nvGrpSpPr>
+        <p:cNvPr id="1" name=""/>
+        <p:cNvGrpSpPr/>
+        <p:nvPr/>
+      </p:nvGrpSpPr>
+      <p:grpSpPr>
+        <a:xfrm>
+          <a:off x="0" y="0"/>
+          <a:ext cx="0" cy="0"/>
+          <a:chOff x="0" y="0"/>
+          <a:chExt cx="0" cy="0"/>
+        </a:xfrm>
+      </p:grpSpPr>
+      <p:sp>
+        <p:nvSpPr>
+          <p:cNvPr id="2" name="Title 1"/>
+          <p:cNvSpPr>
+            <a:spLocks noGrp="1"/>
+          </p:cNvSpPr>
+          <p:nvPr>
+            <p:ph type="title"/>
+          </p:nvPr>
+        </p:nvSpPr>
+        <p:spPr/>
+        <p:txBody>
+          <a:bodyPr/>
+          <a:lstStyle/>
+          <a:p>
+            <a:r>
+              <a:rPr lang="en-US" dirty="0"/>
+              <a:t>The Cost of Complexity</a:t>
+            </a:r>
+          </a:p>
+        </p:txBody>
+      </p:sp>
+      <p:sp>
+        <p:nvSpPr>
+          <p:cNvPr id="3" name="Content Placeholder 2"/>
+          <p:cNvSpPr>
+            <a:spLocks noGrp="1"/>
+          </p:cNvSpPr>
+          <p:nvPr>
+            <p:ph idx="1"/>
+          </p:nvPr>
+        </p:nvSpPr>
+        <p:spPr/>
+        <p:txBody>
+          <a:bodyPr/>
+          <a:lstStyle/>
+          <a:p>
+            <a:r>
+              <a:rPr lang="en-US" dirty="0"/>
+              <a:t>Complex code can lead to a range of problems, including longer development times, increased bug rates, and higher maintenance costs.</a:t>
+            </a:r>
+          </a:p>
+          <a:p>
+            <a:r>
+              <a:rPr lang="en-US" dirty="0" smtClean="0"/>
+              <a:t>It </a:t>
+            </a:r>
+            <a:r>
+              <a:rPr lang="en-US" dirty="0"/>
+              <a:t>can also make it harder for developers to understand the code, which can lead to mistakes and inefficiencies.</a:t>
+            </a:r>
+          </a:p>
+        </p:txBody>
+      </p:sp>
+      <p:sp>
+        <p:nvSpPr>
+          <p:cNvPr id="4" name="Slide Number Placeholder 3"/>
+          <p:cNvSpPr>
+            <a:spLocks noGrp="1"/>
+          </p:cNvSpPr>
+          <p:nvPr>
+            <p:ph type="sldNum" sz="quarter" idx="12"/>
+          </p:nvPr>
+        </p:nvSpPr>
+        <p:spPr/>
+        <p:txBody>
+          <a:bodyPr/>
+          <a:lstStyle/>
+          <a:p>
+            <a:fld id="{B8DACC02-A2BD-4578-8E03-6D891060A695}" type="slidenum">
+              <a:rPr lang="en-US" smtClean="0"/>
+              <a:pPr/>
+              <a:t>4</a:t>
+            </a:fld>
+            <a:endParaRPr lang="en-US" dirty="0"/>
+          </a:p>
+        </p:txBody>
+      </p:sp>
+    </p:spTree>
+    <p:extLst>
+      <p:ext uri="{BB962C8B-B14F-4D97-AF65-F5344CB8AC3E}">
+        <p14:creationId xmlns:p14="http://schemas.microsoft.com/office/powerpoint/2010/main" val="1477978729"/>
       </p:ext>
     </p:extLst>
   </p:cSld>
@@ -5329,8 +6863,12 @@
           <a:lstStyle/>
           <a:p>
             <a:r>
+              <a:rPr lang="en-US" dirty="0" smtClean="0"/>
+              <a:t>Techniques </a:t>
+            </a:r>
+            <a:r>
               <a:rPr lang="en-US" dirty="0"/>
-              <a:t>Incremental Development</a:t>
+              <a:t>for Minimizing Complexity</a:t>
             </a:r>
           </a:p>
         </p:txBody>
@@ -5352,13 +6890,17 @@
           <a:p>
             <a:r>
               <a:rPr lang="en-US" dirty="0"/>
-              <a:t>Advantages of incremental development (e.g., early delivery, reduced risk, flexibility)</a:t>
-            </a:r>
-          </a:p>
-          <a:p>
+              <a:t>There are several techniques that developers can use to minimize complexity, such as breaking up long functions, using meaningful variable names, and avoiding nested conditionals.</a:t>
+            </a:r>
+          </a:p>
+          <a:p>
+            <a:r>
+              <a:rPr lang="en-US" dirty="0" smtClean="0"/>
+              <a:t>Developers </a:t>
+            </a:r>
             <a:r>
               <a:rPr lang="en-US" dirty="0"/>
-              <a:t>Challenges of incremental development (e.g., integrating changes, managing scope)</a:t>
+              <a:t>can also use design patterns and principles, such as the Single Responsibility Principle and the Open-Closed Principle, to guide their design decisions and minimize complexity.</a:t>
             </a:r>
           </a:p>
         </p:txBody>
@@ -5390,7 +6932,7 @@
     </p:spTree>
     <p:extLst>
       <p:ext uri="{BB962C8B-B14F-4D97-AF65-F5344CB8AC3E}">
-        <p14:creationId xmlns:p14="http://schemas.microsoft.com/office/powerpoint/2010/main" val="3613561210"/>
+        <p14:creationId xmlns:p14="http://schemas.microsoft.com/office/powerpoint/2010/main" val="1443008644"/>
       </p:ext>
     </p:extLst>
   </p:cSld>
@@ -5434,7 +6976,7 @@
           <a:p>
             <a:r>
               <a:rPr lang="en-US" dirty="0"/>
-              <a:t>Sprint Planning</a:t>
+              <a:t>Improving Readability</a:t>
             </a:r>
           </a:p>
         </p:txBody>
@@ -5456,13 +6998,17 @@
           <a:p>
             <a:r>
               <a:rPr lang="en-US" dirty="0"/>
-              <a:t>Purpose of sprint planning (e.g., set goals, allocate resources, prioritize tasks)</a:t>
-            </a:r>
-          </a:p>
-          <a:p>
+              <a:t>Good readability is essential for effective software development.</a:t>
+            </a:r>
+          </a:p>
+          <a:p>
+            <a:r>
+              <a:rPr lang="en-US" dirty="0" smtClean="0"/>
+              <a:t>Developers </a:t>
+            </a:r>
             <a:r>
               <a:rPr lang="en-US" dirty="0"/>
-              <a:t>Sprint planning process (e.g., identifying requirements, estimating effort, creating a sprint backlog)</a:t>
+              <a:t>can improve readability by using meaningful variable and function names, writing clear and concise comments, and using whitespace effectively.</a:t>
             </a:r>
           </a:p>
         </p:txBody>
@@ -5494,7 +7040,7 @@
     </p:spTree>
     <p:extLst>
       <p:ext uri="{BB962C8B-B14F-4D97-AF65-F5344CB8AC3E}">
-        <p14:creationId xmlns:p14="http://schemas.microsoft.com/office/powerpoint/2010/main" val="2135544768"/>
+        <p14:creationId xmlns:p14="http://schemas.microsoft.com/office/powerpoint/2010/main" val="3758530010"/>
       </p:ext>
     </p:extLst>
   </p:cSld>
@@ -5538,7 +7084,7 @@
           <a:p>
             <a:r>
               <a:rPr lang="en-US" dirty="0"/>
-              <a:t>Measurements </a:t>
+              <a:t>Maintainability</a:t>
             </a:r>
           </a:p>
         </p:txBody>
@@ -5560,13 +7106,17 @@
           <a:p>
             <a:r>
               <a:rPr lang="en-US" dirty="0"/>
-              <a:t>Types of measurements (e.g., size, effort, complexity, quality)</a:t>
-            </a:r>
-          </a:p>
-          <a:p>
+              <a:t>Maintainability is just as important as readability.</a:t>
+            </a:r>
+          </a:p>
+          <a:p>
+            <a:r>
+              <a:rPr lang="en-US" dirty="0" smtClean="0"/>
+              <a:t>Developers </a:t>
+            </a:r>
             <a:r>
               <a:rPr lang="en-US" dirty="0"/>
-              <a:t>Why measurements are important (e.g., tracking progress, identifying issues, improving quality)</a:t>
+              <a:t>can improve maintainability by writing modular code, using interfaces and abstraction, and minimizing coupling and dependencies.</a:t>
             </a:r>
           </a:p>
         </p:txBody>
@@ -5598,7 +7148,7 @@
     </p:spTree>
     <p:extLst>
       <p:ext uri="{BB962C8B-B14F-4D97-AF65-F5344CB8AC3E}">
-        <p14:creationId xmlns:p14="http://schemas.microsoft.com/office/powerpoint/2010/main" val="374352895"/>
+        <p14:creationId xmlns:p14="http://schemas.microsoft.com/office/powerpoint/2010/main" val="2271723381"/>
       </p:ext>
     </p:extLst>
   </p:cSld>
@@ -5642,7 +7192,7 @@
           <a:p>
             <a:r>
               <a:rPr lang="en-US" dirty="0"/>
-              <a:t>Code Quality</a:t>
+              <a:t>Measurements </a:t>
             </a:r>
           </a:p>
         </p:txBody>
@@ -5664,13 +7214,13 @@
           <a:p>
             <a:r>
               <a:rPr lang="en-US" dirty="0"/>
-              <a:t>Importance of code quality (e.g., maintainability, readability, reliability)</a:t>
+              <a:t>Types of measurements (e.g., size, effort, complexity, quality)</a:t>
             </a:r>
           </a:p>
           <a:p>
             <a:r>
               <a:rPr lang="en-US" dirty="0"/>
-              <a:t>Code quality metrics (e.g., cyclomatic complexity, Halstead complexity, cohesion)</a:t>
+              <a:t>Why measurements are important (e.g., tracking progress, identifying issues, improving quality)</a:t>
             </a:r>
           </a:p>
         </p:txBody>
@@ -5702,7 +7252,7 @@
     </p:spTree>
     <p:extLst>
       <p:ext uri="{BB962C8B-B14F-4D97-AF65-F5344CB8AC3E}">
-        <p14:creationId xmlns:p14="http://schemas.microsoft.com/office/powerpoint/2010/main" val="2530154449"/>
+        <p14:creationId xmlns:p14="http://schemas.microsoft.com/office/powerpoint/2010/main" val="374352895"/>
       </p:ext>
     </p:extLst>
   </p:cSld>
@@ -5746,7 +7296,7 @@
           <a:p>
             <a:r>
               <a:rPr lang="en-US" dirty="0"/>
-              <a:t>Modularity</a:t>
+              <a:t>Code Quality</a:t>
             </a:r>
           </a:p>
         </p:txBody>
@@ -5768,13 +7318,13 @@
           <a:p>
             <a:r>
               <a:rPr lang="en-US" dirty="0"/>
-              <a:t>Importance of modularity (e.g., maintainability, reusability, scalability)</a:t>
+              <a:t>Importance of code quality (e.g., maintainability, readability, reliability)</a:t>
             </a:r>
           </a:p>
           <a:p>
             <a:r>
               <a:rPr lang="en-US" dirty="0"/>
-              <a:t>Techniques for improving modularity (e.g., component-based design, service-oriented architecture)</a:t>
+              <a:t>Code quality metrics (e.g., cyclomatic complexity, Halstead complexity, cohesion)</a:t>
             </a:r>
           </a:p>
         </p:txBody>
@@ -5806,7 +7356,7 @@
     </p:spTree>
     <p:extLst>
       <p:ext uri="{BB962C8B-B14F-4D97-AF65-F5344CB8AC3E}">
-        <p14:creationId xmlns:p14="http://schemas.microsoft.com/office/powerpoint/2010/main" val="4033838859"/>
+        <p14:creationId xmlns:p14="http://schemas.microsoft.com/office/powerpoint/2010/main" val="2530154449"/>
       </p:ext>
     </p:extLst>
   </p:cSld>

--- a/SE499/Lectures/5/Development.pptx
+++ b/SE499/Lectures/5/Development.pptx
@@ -248,7 +248,7 @@
           <a:p>
             <a:fld id="{41DA9887-9249-49FD-809A-BACB264048C3}" type="datetimeFigureOut">
               <a:rPr lang="en-US" smtClean="0"/>
-              <a:t>9/9/2023</a:t>
+              <a:t>1/28/2024</a:t>
             </a:fld>
             <a:endParaRPr lang="en-US"/>
           </a:p>
@@ -650,7 +650,7 @@
           <a:p>
             <a:fld id="{EF213E56-3C1A-435A-851B-5B1F221C2038}" type="datetime1">
               <a:rPr lang="en-US" smtClean="0"/>
-              <a:t>9/9/2023</a:t>
+              <a:t>1/28/2024</a:t>
             </a:fld>
             <a:endParaRPr lang="en-US"/>
           </a:p>
@@ -929,7 +929,7 @@
           <a:p>
             <a:fld id="{B4696837-4851-4AA6-8AED-554226C981D1}" type="datetime1">
               <a:rPr lang="en-US" smtClean="0"/>
-              <a:t>9/9/2023</a:t>
+              <a:t>1/28/2024</a:t>
             </a:fld>
             <a:endParaRPr lang="en-US"/>
           </a:p>
@@ -1107,7 +1107,7 @@
           <a:p>
             <a:fld id="{BADD32E1-BB70-4827-BA33-FF5AFC435BE9}" type="datetime1">
               <a:rPr lang="en-US" smtClean="0"/>
-              <a:t>9/9/2023</a:t>
+              <a:t>1/28/2024</a:t>
             </a:fld>
             <a:endParaRPr lang="en-US"/>
           </a:p>
@@ -1206,10 +1206,9 @@
           <a:lstStyle/>
           <a:p>
             <a:r>
-              <a:rPr lang="en-US" smtClean="0"/>
+              <a:rPr lang="en-US"/>
               <a:t>Click to edit Master title style</a:t>
             </a:r>
-            <a:endParaRPr lang="en-US"/>
           </a:p>
         </p:txBody>
       </p:sp>
@@ -1235,38 +1234,37 @@
           <a:p>
             <a:pPr lvl="0"/>
             <a:r>
-              <a:rPr lang="en-US" smtClean="0"/>
+              <a:rPr lang="en-US"/>
               <a:t>Click to edit Master text styles</a:t>
             </a:r>
           </a:p>
           <a:p>
             <a:pPr lvl="1"/>
             <a:r>
-              <a:rPr lang="en-US" smtClean="0"/>
+              <a:rPr lang="en-US"/>
               <a:t>Second level</a:t>
             </a:r>
           </a:p>
           <a:p>
             <a:pPr lvl="2"/>
             <a:r>
-              <a:rPr lang="en-US" smtClean="0"/>
+              <a:rPr lang="en-US"/>
               <a:t>Third level</a:t>
             </a:r>
           </a:p>
           <a:p>
             <a:pPr lvl="3"/>
             <a:r>
-              <a:rPr lang="en-US" smtClean="0"/>
+              <a:rPr lang="en-US"/>
               <a:t>Fourth level</a:t>
             </a:r>
           </a:p>
           <a:p>
             <a:pPr lvl="4"/>
             <a:r>
-              <a:rPr lang="en-US" smtClean="0"/>
+              <a:rPr lang="en-US"/>
               <a:t>Fifth level</a:t>
             </a:r>
-            <a:endParaRPr lang="en-US"/>
           </a:p>
         </p:txBody>
       </p:sp>
@@ -1292,38 +1290,37 @@
           <a:p>
             <a:pPr lvl="0"/>
             <a:r>
-              <a:rPr lang="en-US" smtClean="0"/>
+              <a:rPr lang="en-US"/>
               <a:t>Click to edit Master text styles</a:t>
             </a:r>
           </a:p>
           <a:p>
             <a:pPr lvl="1"/>
             <a:r>
-              <a:rPr lang="en-US" smtClean="0"/>
+              <a:rPr lang="en-US"/>
               <a:t>Second level</a:t>
             </a:r>
           </a:p>
           <a:p>
             <a:pPr lvl="2"/>
             <a:r>
-              <a:rPr lang="en-US" smtClean="0"/>
+              <a:rPr lang="en-US"/>
               <a:t>Third level</a:t>
             </a:r>
           </a:p>
           <a:p>
             <a:pPr lvl="3"/>
             <a:r>
-              <a:rPr lang="en-US" smtClean="0"/>
+              <a:rPr lang="en-US"/>
               <a:t>Fourth level</a:t>
             </a:r>
           </a:p>
           <a:p>
             <a:pPr lvl="4"/>
             <a:r>
-              <a:rPr lang="en-US" smtClean="0"/>
+              <a:rPr lang="en-US"/>
               <a:t>Fifth level</a:t>
             </a:r>
-            <a:endParaRPr lang="en-US"/>
           </a:p>
         </p:txBody>
       </p:sp>
@@ -1353,7 +1350,7 @@
             </a:pPr>
             <a:fld id="{40B9EAF6-54F2-4DF5-9C6B-3F6F95B86356}" type="datetime1">
               <a:rPr lang="en-US" smtClean="0"/>
-              <a:t>9/9/2023</a:t>
+              <a:t>1/28/2024</a:t>
             </a:fld>
             <a:endParaRPr lang="en-US"/>
           </a:p>
@@ -1476,10 +1473,9 @@
           <a:lstStyle/>
           <a:p>
             <a:r>
-              <a:rPr lang="en-US" smtClean="0"/>
+              <a:rPr lang="en-US"/>
               <a:t>Click to edit Master title style</a:t>
             </a:r>
-            <a:endParaRPr lang="en-US"/>
           </a:p>
         </p:txBody>
       </p:sp>
@@ -1504,7 +1500,7 @@
           <a:lstStyle/>
           <a:p>
             <a:pPr lvl="0"/>
-            <a:endParaRPr lang="en-US" noProof="0" dirty="0" smtClean="0"/>
+            <a:endParaRPr lang="en-US" noProof="0" dirty="0"/>
           </a:p>
         </p:txBody>
       </p:sp>
@@ -1534,7 +1530,7 @@
             </a:pPr>
             <a:fld id="{D3D64A56-6FF4-479A-8655-719A18A98C4B}" type="datetime1">
               <a:rPr lang="en-US" smtClean="0"/>
-              <a:t>9/9/2023</a:t>
+              <a:t>1/28/2024</a:t>
             </a:fld>
             <a:endParaRPr lang="en-US"/>
           </a:p>
@@ -1812,7 +1808,7 @@
           <a:p>
             <a:fld id="{BB961044-FC46-4CBC-9061-59528F4899F3}" type="datetime1">
               <a:rPr lang="en-US" smtClean="0"/>
-              <a:t>9/9/2023</a:t>
+              <a:t>1/28/2024</a:t>
             </a:fld>
             <a:endParaRPr lang="en-US"/>
           </a:p>
@@ -2156,7 +2152,7 @@
           <a:p>
             <a:fld id="{4466A08C-77F3-471E-A5C4-1D2068144BAC}" type="datetime1">
               <a:rPr lang="en-US" smtClean="0"/>
-              <a:t>9/9/2023</a:t>
+              <a:t>1/28/2024</a:t>
             </a:fld>
             <a:endParaRPr lang="en-US"/>
           </a:p>
@@ -2385,7 +2381,7 @@
           <a:p>
             <a:fld id="{B90A7AD1-16F4-44C3-AE32-24C59A599E9D}" type="datetime1">
               <a:rPr lang="en-US" smtClean="0"/>
-              <a:t>9/9/2023</a:t>
+              <a:t>1/28/2024</a:t>
             </a:fld>
             <a:endParaRPr lang="en-US"/>
           </a:p>
@@ -2749,7 +2745,7 @@
           <a:p>
             <a:fld id="{B583DB4F-4316-4DF5-A229-BC1D787C82A0}" type="datetime1">
               <a:rPr lang="en-US" smtClean="0"/>
-              <a:t>9/9/2023</a:t>
+              <a:t>1/28/2024</a:t>
             </a:fld>
             <a:endParaRPr lang="en-US"/>
           </a:p>
@@ -2844,7 +2840,7 @@
           <a:p>
             <a:fld id="{AE6064B7-7A9F-432D-B7B9-6824267AA574}" type="datetime1">
               <a:rPr lang="en-US" smtClean="0"/>
-              <a:t>9/9/2023</a:t>
+              <a:t>1/28/2024</a:t>
             </a:fld>
             <a:endParaRPr lang="en-US"/>
           </a:p>
@@ -3066,7 +3062,7 @@
             <a:fld id="{B2F5E2FA-C428-4CE7-95B0-168D3259A5BB}" type="datetimeFigureOut">
               <a:rPr lang="en-US" smtClean="0"/>
               <a:pPr/>
-              <a:t>9/9/2023</a:t>
+              <a:t>1/28/2024</a:t>
             </a:fld>
             <a:endParaRPr lang="en-US"/>
           </a:p>
@@ -3237,7 +3233,7 @@
           <a:p>
             <a:fld id="{4E1C93A2-B712-486A-8AB5-D41B95D547BE}" type="datetime1">
               <a:rPr lang="en-US" smtClean="0"/>
-              <a:t>9/9/2023</a:t>
+              <a:t>1/28/2024</a:t>
             </a:fld>
             <a:endParaRPr lang="en-US"/>
           </a:p>
@@ -3512,7 +3508,7 @@
           <a:p>
             <a:fld id="{CAB2F318-F19F-4608-B7EF-F7FB8A482213}" type="datetime1">
               <a:rPr lang="en-US" smtClean="0"/>
-              <a:t>9/9/2023</a:t>
+              <a:t>1/28/2024</a:t>
             </a:fld>
             <a:endParaRPr lang="en-US"/>
           </a:p>
@@ -3764,7 +3760,7 @@
           <a:p>
             <a:fld id="{BB9CEF8C-69D6-4C3E-B892-F682F307A7B6}" type="datetime1">
               <a:rPr lang="en-US" smtClean="0"/>
-              <a:t>9/9/2023</a:t>
+              <a:t>1/28/2024</a:t>
             </a:fld>
             <a:endParaRPr lang="en-US"/>
           </a:p>
@@ -3975,7 +3971,7 @@
           <a:p>
             <a:fld id="{FB737C73-4A31-4C17-AFB7-7B8470027787}" type="datetime1">
               <a:rPr lang="en-US" smtClean="0"/>
-              <a:t>9/9/2023</a:t>
+              <a:t>1/28/2024</a:t>
             </a:fld>
             <a:endParaRPr lang="en-US"/>
           </a:p>
@@ -4082,13 +4078,6 @@
     <p:sldLayoutId id="2147483660" r:id="rId12"/>
     <p:sldLayoutId id="2147483661" r:id="rId13"/>
   </p:sldLayoutIdLst>
-  <p:timing>
-    <p:tnLst>
-      <p:par>
-        <p:cTn id="1" dur="indefinite" restart="never" nodeType="tmRoot"/>
-      </p:par>
-    </p:tnLst>
-  </p:timing>
   <p:hf hdr="0" ftr="0" dt="0"/>
   <p:txStyles>
     <p:titleStyle>
@@ -4411,10 +4400,9 @@
           <a:lstStyle/>
           <a:p>
             <a:r>
-              <a:rPr lang="en-US" dirty="0" smtClean="0"/>
+              <a:rPr lang="en-US" dirty="0"/>
               <a:t>Development</a:t>
             </a:r>
-            <a:endParaRPr lang="en-US" dirty="0"/>
           </a:p>
         </p:txBody>
       </p:sp>
@@ -4441,12 +4429,8 @@
           <a:lstStyle/>
           <a:p>
             <a:r>
-              <a:rPr lang="en-US" sz="2800" dirty="0" smtClean="0"/>
-              <a:t>SE499</a:t>
-            </a:r>
-            <a:r>
               <a:rPr lang="en-US" sz="2800" dirty="0"/>
-              <a:t>: Software Design &amp; Development Project</a:t>
+              <a:t>SE499: Software Design &amp; Development Project</a:t>
             </a:r>
           </a:p>
         </p:txBody>
@@ -4484,13 +4468,6 @@
   <p:clrMapOvr>
     <a:masterClrMapping/>
   </p:clrMapOvr>
-  <p:timing>
-    <p:tnLst>
-      <p:par>
-        <p:cTn id="1" dur="indefinite" restart="never" nodeType="tmRoot"/>
-      </p:par>
-    </p:tnLst>
-  </p:timing>
 </p:sld>
 </file>
 
@@ -5079,7 +5056,6 @@
               <a:rPr lang="en-US" dirty="0"/>
               <a:t>Incremental development refers to a software development strategy in which a product is created through a sequence of little, incremental enhancements, as opposed to a single, big deployment. </a:t>
             </a:r>
-            <a:endParaRPr lang="en-US" dirty="0" smtClean="0"/>
           </a:p>
           <a:p>
             <a:pPr>
@@ -5088,12 +5064,8 @@
               </a:lnSpc>
             </a:pPr>
             <a:r>
-              <a:rPr lang="en-US" dirty="0" smtClean="0"/>
-              <a:t>Instead </a:t>
-            </a:r>
-            <a:r>
               <a:rPr lang="en-US" dirty="0"/>
-              <a:t>of developing an application in a single phase, it is built in pieces and stages over time, with each step adding new functionality or improving the functionality that already exists.</a:t>
+              <a:t>Instead of developing an application in a single phase, it is built in pieces and stages over time, with each step adding new functionality or improving the functionality that already exists.</a:t>
             </a:r>
           </a:p>
         </p:txBody>
@@ -5132,13 +5104,6 @@
   <p:clrMapOvr>
     <a:masterClrMapping/>
   </p:clrMapOvr>
-  <p:timing>
-    <p:tnLst>
-      <p:par>
-        <p:cTn id="1" dur="indefinite" restart="never" nodeType="tmRoot"/>
-      </p:par>
-    </p:tnLst>
-  </p:timing>
 </p:sld>
 </file>
 
@@ -5207,7 +5172,6 @@
               <a:rPr lang="en-US" dirty="0"/>
               <a:t>Adaptability, flexibility, and early delivery are the main advantages of incremental development. </a:t>
             </a:r>
-            <a:endParaRPr lang="en-US" dirty="0" smtClean="0"/>
           </a:p>
           <a:p>
             <a:pPr>
@@ -5216,12 +5180,8 @@
               </a:lnSpc>
             </a:pPr>
             <a:r>
-              <a:rPr lang="en-US" dirty="0" smtClean="0"/>
-              <a:t>Incremental </a:t>
-            </a:r>
-            <a:r>
               <a:rPr lang="en-US" dirty="0"/>
-              <a:t>development enables organizations to adapt to shifting market conditions or client needs, as opposed to conventional waterfall approaches that call for extensive planning and specifications upfront.</a:t>
+              <a:t>Incremental development enables organizations to adapt to shifting market conditions or client needs, as opposed to conventional waterfall approaches that call for extensive planning and specifications upfront.</a:t>
             </a:r>
           </a:p>
         </p:txBody>
@@ -5260,13 +5220,6 @@
   <p:clrMapOvr>
     <a:masterClrMapping/>
   </p:clrMapOvr>
-  <p:timing>
-    <p:tnLst>
-      <p:par>
-        <p:cTn id="1" dur="indefinite" restart="never" nodeType="tmRoot"/>
-      </p:par>
-    </p:tnLst>
-  </p:timing>
 </p:sld>
 </file>
 
@@ -5611,13 +5564,6 @@
   <p:clrMapOvr>
     <a:masterClrMapping/>
   </p:clrMapOvr>
-  <p:timing>
-    <p:tnLst>
-      <p:par>
-        <p:cTn id="1" dur="indefinite" restart="never" nodeType="tmRoot"/>
-      </p:par>
-    </p:tnLst>
-  </p:timing>
 </p:sld>
 </file>
 
@@ -5682,12 +5628,8 @@
           </a:p>
           <a:p>
             <a:r>
-              <a:rPr lang="en-US" dirty="0" smtClean="0"/>
-              <a:t>They </a:t>
-            </a:r>
-            <a:r>
               <a:rPr lang="en-US" dirty="0"/>
-              <a:t>help developers write code that is easy to understand, modify, and maintain, reducing the time and effort required for debugging, troubleshooting, and adding new features.</a:t>
+              <a:t>They help developers write code that is easy to understand, modify, and maintain, reducing the time and effort required for debugging, troubleshooting, and adding new features.</a:t>
             </a:r>
           </a:p>
         </p:txBody>
@@ -6675,12 +6617,8 @@
           </a:p>
           <a:p>
             <a:r>
-              <a:rPr lang="en-US" dirty="0" smtClean="0"/>
-              <a:t>It </a:t>
-            </a:r>
-            <a:r>
               <a:rPr lang="en-US" dirty="0"/>
-              <a:t>also reduces the risk of introducing new bugs during development and makes it easier to add new features and functionalities.</a:t>
+              <a:t>It also reduces the risk of introducing new bugs during development and makes it easier to add new features and functionalities.</a:t>
             </a:r>
           </a:p>
         </p:txBody>
@@ -6783,12 +6721,8 @@
           </a:p>
           <a:p>
             <a:r>
-              <a:rPr lang="en-US" dirty="0" smtClean="0"/>
-              <a:t>It </a:t>
-            </a:r>
-            <a:r>
               <a:rPr lang="en-US" dirty="0"/>
-              <a:t>can also make it harder for developers to understand the code, which can lead to mistakes and inefficiencies.</a:t>
+              <a:t>It can also make it harder for developers to understand the code, which can lead to mistakes and inefficiencies.</a:t>
             </a:r>
           </a:p>
         </p:txBody>
@@ -6863,12 +6797,8 @@
           <a:lstStyle/>
           <a:p>
             <a:r>
-              <a:rPr lang="en-US" dirty="0" smtClean="0"/>
-              <a:t>Techniques </a:t>
-            </a:r>
-            <a:r>
               <a:rPr lang="en-US" dirty="0"/>
-              <a:t>for Minimizing Complexity</a:t>
+              <a:t>Techniques for Minimizing Complexity</a:t>
             </a:r>
           </a:p>
         </p:txBody>
@@ -6895,12 +6825,8 @@
           </a:p>
           <a:p>
             <a:r>
-              <a:rPr lang="en-US" dirty="0" smtClean="0"/>
-              <a:t>Developers </a:t>
-            </a:r>
-            <a:r>
               <a:rPr lang="en-US" dirty="0"/>
-              <a:t>can also use design patterns and principles, such as the Single Responsibility Principle and the Open-Closed Principle, to guide their design decisions and minimize complexity.</a:t>
+              <a:t>Developers can also use design patterns and principles, such as the Single Responsibility Principle and the Open-Closed Principle, to guide their design decisions and minimize complexity.</a:t>
             </a:r>
           </a:p>
         </p:txBody>
@@ -7003,12 +6929,8 @@
           </a:p>
           <a:p>
             <a:r>
-              <a:rPr lang="en-US" dirty="0" smtClean="0"/>
-              <a:t>Developers </a:t>
-            </a:r>
-            <a:r>
               <a:rPr lang="en-US" dirty="0"/>
-              <a:t>can improve readability by using meaningful variable and function names, writing clear and concise comments, and using whitespace effectively.</a:t>
+              <a:t>Developers can improve readability by using meaningful variable and function names, writing clear and concise comments, and using whitespace effectively.</a:t>
             </a:r>
           </a:p>
         </p:txBody>
@@ -7111,12 +7033,8 @@
           </a:p>
           <a:p>
             <a:r>
-              <a:rPr lang="en-US" dirty="0" smtClean="0"/>
-              <a:t>Developers </a:t>
-            </a:r>
-            <a:r>
               <a:rPr lang="en-US" dirty="0"/>
-              <a:t>can improve maintainability by writing modular code, using interfaces and abstraction, and minimizing coupling and dependencies.</a:t>
+              <a:t>Developers can improve maintainability by writing modular code, using interfaces and abstraction, and minimizing coupling and dependencies.</a:t>
             </a:r>
           </a:p>
         </p:txBody>
